--- a/EC)Basic 1주차.pptx
+++ b/EC)Basic 1주차.pptx
@@ -18781,15 +18781,18 @@
               </a:rPr>
               <a:t>배열</a:t>
             </a:r>
-            <a:endParaRPr lang="en-US" altLang="ko-KR" sz="2400">
-              <a:effectLst>
-                <a:outerShdw blurRad="38100" dist="38100" dir="2700000" algn="tl">
-                  <a:srgbClr val="000000">
-                    <a:alpha val="43137"/>
-                  </a:srgbClr>
-                </a:outerShdw>
-              </a:effectLst>
-            </a:endParaRPr>
+            <a:r>
+              <a:rPr lang="en-US" altLang="ko-KR" sz="2400">
+                <a:effectLst>
+                  <a:outerShdw blurRad="38100" dist="38100" dir="2700000" algn="tl">
+                    <a:srgbClr val="000000">
+                      <a:alpha val="43137"/>
+                    </a:srgbClr>
+                  </a:outerShdw>
+                </a:effectLst>
+              </a:rPr>
+              <a:t>, String</a:t>
+            </a:r>
           </a:p>
           <a:p>
             <a:pPr lvl="1"/>
@@ -18921,6 +18924,30 @@
                 </a:effectLst>
               </a:rPr>
               <a:t>: </a:t>
+            </a:r>
+            <a:r>
+              <a:rPr lang="ko-KR" altLang="en-US" sz="2400">
+                <a:effectLst>
+                  <a:outerShdw blurRad="38100" dist="38100" dir="2700000" algn="tl">
+                    <a:srgbClr val="000000">
+                      <a:alpha val="43137"/>
+                    </a:srgbClr>
+                  </a:outerShdw>
+                </a:effectLst>
+              </a:rPr>
+              <a:t>구조체</a:t>
+            </a:r>
+            <a:r>
+              <a:rPr lang="en-US" altLang="ko-KR" sz="2400">
+                <a:effectLst>
+                  <a:outerShdw blurRad="38100" dist="38100" dir="2700000" algn="tl">
+                    <a:srgbClr val="000000">
+                      <a:alpha val="43137"/>
+                    </a:srgbClr>
+                  </a:outerShdw>
+                </a:effectLst>
+              </a:rPr>
+              <a:t>, </a:t>
             </a:r>
             <a:r>
               <a:rPr lang="ko-KR" altLang="en-US" sz="2400">

--- a/EC)Basic 1주차.pptx
+++ b/EC)Basic 1주차.pptx
@@ -30,9 +30,11 @@
     <p:sldId id="270" r:id="rId24"/>
     <p:sldId id="266" r:id="rId25"/>
     <p:sldId id="284" r:id="rId26"/>
-    <p:sldId id="283" r:id="rId27"/>
-    <p:sldId id="285" r:id="rId28"/>
-    <p:sldId id="286" r:id="rId29"/>
+    <p:sldId id="288" r:id="rId27"/>
+    <p:sldId id="283" r:id="rId28"/>
+    <p:sldId id="285" r:id="rId29"/>
+    <p:sldId id="287" r:id="rId30"/>
+    <p:sldId id="286" r:id="rId31"/>
   </p:sldIdLst>
   <p:sldSz cx="12192000" cy="6858000"/>
   <p:notesSz cx="6858000" cy="9144000"/>
@@ -286,7 +288,7 @@
           <a:p>
             <a:fld id="{99D9758D-D09E-4F4D-9D6D-5374D685559F}" type="datetimeFigureOut">
               <a:rPr lang="ko-KR" altLang="en-US" smtClean="0"/>
-              <a:t>2021-03-05</a:t>
+              <a:t>2021-03-08</a:t>
             </a:fld>
             <a:endParaRPr lang="ko-KR" altLang="en-US"/>
           </a:p>
@@ -484,7 +486,7 @@
           <a:p>
             <a:fld id="{99D9758D-D09E-4F4D-9D6D-5374D685559F}" type="datetimeFigureOut">
               <a:rPr lang="ko-KR" altLang="en-US" smtClean="0"/>
-              <a:t>2021-03-05</a:t>
+              <a:t>2021-03-08</a:t>
             </a:fld>
             <a:endParaRPr lang="ko-KR" altLang="en-US"/>
           </a:p>
@@ -692,7 +694,7 @@
           <a:p>
             <a:fld id="{99D9758D-D09E-4F4D-9D6D-5374D685559F}" type="datetimeFigureOut">
               <a:rPr lang="ko-KR" altLang="en-US" smtClean="0"/>
-              <a:t>2021-03-05</a:t>
+              <a:t>2021-03-08</a:t>
             </a:fld>
             <a:endParaRPr lang="ko-KR" altLang="en-US"/>
           </a:p>
@@ -890,7 +892,7 @@
           <a:p>
             <a:fld id="{99D9758D-D09E-4F4D-9D6D-5374D685559F}" type="datetimeFigureOut">
               <a:rPr lang="ko-KR" altLang="en-US" smtClean="0"/>
-              <a:t>2021-03-05</a:t>
+              <a:t>2021-03-08</a:t>
             </a:fld>
             <a:endParaRPr lang="ko-KR" altLang="en-US"/>
           </a:p>
@@ -1165,7 +1167,7 @@
           <a:p>
             <a:fld id="{99D9758D-D09E-4F4D-9D6D-5374D685559F}" type="datetimeFigureOut">
               <a:rPr lang="ko-KR" altLang="en-US" smtClean="0"/>
-              <a:t>2021-03-05</a:t>
+              <a:t>2021-03-08</a:t>
             </a:fld>
             <a:endParaRPr lang="ko-KR" altLang="en-US"/>
           </a:p>
@@ -1430,7 +1432,7 @@
           <a:p>
             <a:fld id="{99D9758D-D09E-4F4D-9D6D-5374D685559F}" type="datetimeFigureOut">
               <a:rPr lang="ko-KR" altLang="en-US" smtClean="0"/>
-              <a:t>2021-03-05</a:t>
+              <a:t>2021-03-08</a:t>
             </a:fld>
             <a:endParaRPr lang="ko-KR" altLang="en-US"/>
           </a:p>
@@ -1842,7 +1844,7 @@
           <a:p>
             <a:fld id="{99D9758D-D09E-4F4D-9D6D-5374D685559F}" type="datetimeFigureOut">
               <a:rPr lang="ko-KR" altLang="en-US" smtClean="0"/>
-              <a:t>2021-03-05</a:t>
+              <a:t>2021-03-08</a:t>
             </a:fld>
             <a:endParaRPr lang="ko-KR" altLang="en-US"/>
           </a:p>
@@ -1983,7 +1985,7 @@
           <a:p>
             <a:fld id="{99D9758D-D09E-4F4D-9D6D-5374D685559F}" type="datetimeFigureOut">
               <a:rPr lang="ko-KR" altLang="en-US" smtClean="0"/>
-              <a:t>2021-03-05</a:t>
+              <a:t>2021-03-08</a:t>
             </a:fld>
             <a:endParaRPr lang="ko-KR" altLang="en-US"/>
           </a:p>
@@ -2096,7 +2098,7 @@
           <a:p>
             <a:fld id="{99D9758D-D09E-4F4D-9D6D-5374D685559F}" type="datetimeFigureOut">
               <a:rPr lang="ko-KR" altLang="en-US" smtClean="0"/>
-              <a:t>2021-03-05</a:t>
+              <a:t>2021-03-08</a:t>
             </a:fld>
             <a:endParaRPr lang="ko-KR" altLang="en-US"/>
           </a:p>
@@ -2407,7 +2409,7 @@
           <a:p>
             <a:fld id="{99D9758D-D09E-4F4D-9D6D-5374D685559F}" type="datetimeFigureOut">
               <a:rPr lang="ko-KR" altLang="en-US" smtClean="0"/>
-              <a:t>2021-03-05</a:t>
+              <a:t>2021-03-08</a:t>
             </a:fld>
             <a:endParaRPr lang="ko-KR" altLang="en-US"/>
           </a:p>
@@ -2695,7 +2697,7 @@
           <a:p>
             <a:fld id="{99D9758D-D09E-4F4D-9D6D-5374D685559F}" type="datetimeFigureOut">
               <a:rPr lang="ko-KR" altLang="en-US" smtClean="0"/>
-              <a:t>2021-03-05</a:t>
+              <a:t>2021-03-08</a:t>
             </a:fld>
             <a:endParaRPr lang="ko-KR" altLang="en-US"/>
           </a:p>
@@ -2939,7 +2941,7 @@
           <a:p>
             <a:fld id="{99D9758D-D09E-4F4D-9D6D-5374D685559F}" type="datetimeFigureOut">
               <a:rPr lang="ko-KR" altLang="en-US" smtClean="0"/>
-              <a:t>2021-03-05</a:t>
+              <a:t>2021-03-08</a:t>
             </a:fld>
             <a:endParaRPr lang="ko-KR" altLang="en-US"/>
           </a:p>
@@ -12098,7 +12100,7 @@
                   </a:outerShdw>
                 </a:effectLst>
               </a:rPr>
-              <a:t>printf(“%d”, numA/numB);</a:t>
+              <a:t>printf( “%d”, numA / numB );</a:t>
             </a:r>
           </a:p>
           <a:p>
@@ -12249,7 +12251,7 @@
                   </a:outerShdw>
                 </a:effectLst>
               </a:rPr>
-              <a:t>printf(“%d”, numA%numB);</a:t>
+              <a:t>printf( “%d”, numA % numB );</a:t>
             </a:r>
           </a:p>
           <a:p>
@@ -12400,7 +12402,7 @@
                   </a:outerShdw>
                 </a:effectLst>
               </a:rPr>
-              <a:t>printf(“%f”, numA/numB);</a:t>
+              <a:t>printf( “%f”, numA / numB );</a:t>
             </a:r>
           </a:p>
           <a:p>
@@ -15071,7 +15073,7 @@
         <p:spPr>
           <a:xfrm>
             <a:off x="730922" y="2457821"/>
-            <a:ext cx="8554720" cy="3970318"/>
+            <a:ext cx="8554720" cy="4401205"/>
           </a:xfrm>
           <a:prstGeom prst="rect">
             <a:avLst/>
@@ -15090,20 +15092,20 @@
           <a:lstStyle/>
           <a:p>
             <a:r>
-              <a:rPr lang="en-US" altLang="ko-KR">
-                <a:effectLst>
-                  <a:outerShdw blurRad="38100" dist="38100" dir="2700000" algn="tl">
-                    <a:srgbClr val="000000">
-                      <a:alpha val="43137"/>
-                    </a:srgbClr>
-                  </a:outerShdw>
-                </a:effectLst>
-              </a:rPr>
-              <a:t>scanf( “%d”, &amp;number );</a:t>
-            </a:r>
-          </a:p>
-          <a:p>
-            <a:endParaRPr lang="en-US" altLang="ko-KR">
+              <a:rPr lang="en-US" altLang="ko-KR" sz="1400">
+                <a:effectLst>
+                  <a:outerShdw blurRad="38100" dist="38100" dir="2700000" algn="tl">
+                    <a:srgbClr val="000000">
+                      <a:alpha val="43137"/>
+                    </a:srgbClr>
+                  </a:outerShdw>
+                </a:effectLst>
+              </a:rPr>
+              <a:t>#include &lt;stdio.h&gt;</a:t>
+            </a:r>
+          </a:p>
+          <a:p>
+            <a:endParaRPr lang="en-US" altLang="ko-KR" sz="1400">
               <a:effectLst>
                 <a:outerShdw blurRad="38100" dist="38100" dir="2700000" algn="tl">
                   <a:srgbClr val="000000">
@@ -15115,33 +15117,72 @@
           </a:p>
           <a:p>
             <a:r>
-              <a:rPr lang="en-US" altLang="ko-KR">
-                <a:effectLst>
-                  <a:outerShdw blurRad="38100" dist="38100" dir="2700000" algn="tl">
-                    <a:srgbClr val="000000">
-                      <a:alpha val="43137"/>
-                    </a:srgbClr>
-                  </a:outerShdw>
-                </a:effectLst>
-              </a:rPr>
-              <a:t>if( ( number % 2 == 0 ) &amp;&amp; ( number % 5 == 0 ) ) {</a:t>
-            </a:r>
-          </a:p>
-          <a:p>
-            <a:r>
-              <a:rPr lang="en-US" altLang="ko-KR">
-                <a:effectLst>
-                  <a:outerShdw blurRad="38100" dist="38100" dir="2700000" algn="tl">
-                    <a:srgbClr val="000000">
-                      <a:alpha val="43137"/>
-                    </a:srgbClr>
-                  </a:outerShdw>
-                </a:effectLst>
-              </a:rPr>
-              <a:t>	printf(“number</a:t>
-            </a:r>
-            <a:r>
-              <a:rPr lang="ko-KR" altLang="en-US">
+              <a:rPr lang="en-US" altLang="ko-KR" sz="1400">
+                <a:effectLst>
+                  <a:outerShdw blurRad="38100" dist="38100" dir="2700000" algn="tl">
+                    <a:srgbClr val="000000">
+                      <a:alpha val="43137"/>
+                    </a:srgbClr>
+                  </a:outerShdw>
+                </a:effectLst>
+              </a:rPr>
+              <a:t>int main() {</a:t>
+            </a:r>
+          </a:p>
+          <a:p>
+            <a:r>
+              <a:rPr lang="en-US" altLang="ko-KR" sz="1400">
+                <a:effectLst>
+                  <a:outerShdw blurRad="38100" dist="38100" dir="2700000" algn="tl">
+                    <a:srgbClr val="000000">
+                      <a:alpha val="43137"/>
+                    </a:srgbClr>
+                  </a:outerShdw>
+                </a:effectLst>
+              </a:rPr>
+              <a:t>	scanf( “%d”, &amp;number );</a:t>
+            </a:r>
+          </a:p>
+          <a:p>
+            <a:endParaRPr lang="en-US" altLang="ko-KR" sz="1400">
+              <a:effectLst>
+                <a:outerShdw blurRad="38100" dist="38100" dir="2700000" algn="tl">
+                  <a:srgbClr val="000000">
+                    <a:alpha val="43137"/>
+                  </a:srgbClr>
+                </a:outerShdw>
+              </a:effectLst>
+            </a:endParaRPr>
+          </a:p>
+          <a:p>
+            <a:r>
+              <a:rPr lang="en-US" altLang="ko-KR" sz="1400">
+                <a:effectLst>
+                  <a:outerShdw blurRad="38100" dist="38100" dir="2700000" algn="tl">
+                    <a:srgbClr val="000000">
+                      <a:alpha val="43137"/>
+                    </a:srgbClr>
+                  </a:outerShdw>
+                </a:effectLst>
+              </a:rPr>
+              <a:t>	if( ( number % 2 == 0 ) &amp;&amp; ( number % 5 == 0 ) ) {</a:t>
+            </a:r>
+          </a:p>
+          <a:p>
+            <a:r>
+              <a:rPr lang="en-US" altLang="ko-KR" sz="1400">
+                <a:effectLst>
+                  <a:outerShdw blurRad="38100" dist="38100" dir="2700000" algn="tl">
+                    <a:srgbClr val="000000">
+                      <a:alpha val="43137"/>
+                    </a:srgbClr>
+                  </a:outerShdw>
+                </a:effectLst>
+              </a:rPr>
+              <a:t>		printf( “number</a:t>
+            </a:r>
+            <a:r>
+              <a:rPr lang="ko-KR" altLang="en-US" sz="1400">
                 <a:effectLst>
                   <a:outerShdw blurRad="38100" dist="38100" dir="2700000" algn="tl">
                     <a:srgbClr val="000000">
@@ -15153,7 +15194,7 @@
               <a:t>는 </a:t>
             </a:r>
             <a:r>
-              <a:rPr lang="en-US" altLang="ko-KR">
+              <a:rPr lang="en-US" altLang="ko-KR" sz="1400">
                 <a:effectLst>
                   <a:outerShdw blurRad="38100" dist="38100" dir="2700000" algn="tl">
                     <a:srgbClr val="000000">
@@ -15165,7 +15206,7 @@
               <a:t>2</a:t>
             </a:r>
             <a:r>
-              <a:rPr lang="ko-KR" altLang="en-US">
+              <a:rPr lang="ko-KR" altLang="en-US" sz="1400">
                 <a:effectLst>
                   <a:outerShdw blurRad="38100" dist="38100" dir="2700000" algn="tl">
                     <a:srgbClr val="000000">
@@ -15177,7 +15218,7 @@
               <a:t>와 </a:t>
             </a:r>
             <a:r>
-              <a:rPr lang="en-US" altLang="ko-KR">
+              <a:rPr lang="en-US" altLang="ko-KR" sz="1400">
                 <a:effectLst>
                   <a:outerShdw blurRad="38100" dist="38100" dir="2700000" algn="tl">
                     <a:srgbClr val="000000">
@@ -15189,7 +15230,7 @@
               <a:t>5 </a:t>
             </a:r>
             <a:r>
-              <a:rPr lang="ko-KR" altLang="en-US">
+              <a:rPr lang="ko-KR" altLang="en-US" sz="1400">
                 <a:effectLst>
                   <a:outerShdw blurRad="38100" dist="38100" dir="2700000" algn="tl">
                     <a:srgbClr val="000000">
@@ -15201,7 +15242,187 @@
               <a:t>모두의 배수입니다</a:t>
             </a:r>
             <a:r>
-              <a:rPr lang="en-US" altLang="ko-KR">
+              <a:rPr lang="en-US" altLang="ko-KR" sz="1400">
+                <a:effectLst>
+                  <a:outerShdw blurRad="38100" dist="38100" dir="2700000" algn="tl">
+                    <a:srgbClr val="000000">
+                      <a:alpha val="43137"/>
+                    </a:srgbClr>
+                  </a:outerShdw>
+                </a:effectLst>
+              </a:rPr>
+              <a:t>.\n” );</a:t>
+            </a:r>
+          </a:p>
+          <a:p>
+            <a:r>
+              <a:rPr lang="en-US" altLang="ko-KR" sz="1400">
+                <a:effectLst>
+                  <a:outerShdw blurRad="38100" dist="38100" dir="2700000" algn="tl">
+                    <a:srgbClr val="000000">
+                      <a:alpha val="43137"/>
+                    </a:srgbClr>
+                  </a:outerShdw>
+                </a:effectLst>
+              </a:rPr>
+              <a:t>	}</a:t>
+            </a:r>
+          </a:p>
+          <a:p>
+            <a:r>
+              <a:rPr lang="en-US" altLang="ko-KR" sz="1400">
+                <a:effectLst>
+                  <a:outerShdw blurRad="38100" dist="38100" dir="2700000" algn="tl">
+                    <a:srgbClr val="000000">
+                      <a:alpha val="43137"/>
+                    </a:srgbClr>
+                  </a:outerShdw>
+                </a:effectLst>
+              </a:rPr>
+              <a:t>	else if( ( number % 2 == 0 ) ) {</a:t>
+            </a:r>
+          </a:p>
+          <a:p>
+            <a:r>
+              <a:rPr lang="en-US" altLang="ko-KR" sz="1400">
+                <a:effectLst>
+                  <a:outerShdw blurRad="38100" dist="38100" dir="2700000" algn="tl">
+                    <a:srgbClr val="000000">
+                      <a:alpha val="43137"/>
+                    </a:srgbClr>
+                  </a:outerShdw>
+                </a:effectLst>
+              </a:rPr>
+              <a:t>		printf( “number</a:t>
+            </a:r>
+            <a:r>
+              <a:rPr lang="ko-KR" altLang="en-US" sz="1400">
+                <a:effectLst>
+                  <a:outerShdw blurRad="38100" dist="38100" dir="2700000" algn="tl">
+                    <a:srgbClr val="000000">
+                      <a:alpha val="43137"/>
+                    </a:srgbClr>
+                  </a:outerShdw>
+                </a:effectLst>
+              </a:rPr>
+              <a:t>는 </a:t>
+            </a:r>
+            <a:r>
+              <a:rPr lang="en-US" altLang="ko-KR" sz="1400">
+                <a:effectLst>
+                  <a:outerShdw blurRad="38100" dist="38100" dir="2700000" algn="tl">
+                    <a:srgbClr val="000000">
+                      <a:alpha val="43137"/>
+                    </a:srgbClr>
+                  </a:outerShdw>
+                </a:effectLst>
+              </a:rPr>
+              <a:t>2</a:t>
+            </a:r>
+            <a:r>
+              <a:rPr lang="ko-KR" altLang="en-US" sz="1400">
+                <a:effectLst>
+                  <a:outerShdw blurRad="38100" dist="38100" dir="2700000" algn="tl">
+                    <a:srgbClr val="000000">
+                      <a:alpha val="43137"/>
+                    </a:srgbClr>
+                  </a:outerShdw>
+                </a:effectLst>
+              </a:rPr>
+              <a:t>의 배수입니다</a:t>
+            </a:r>
+            <a:r>
+              <a:rPr lang="en-US" altLang="ko-KR" sz="1400">
+                <a:effectLst>
+                  <a:outerShdw blurRad="38100" dist="38100" dir="2700000" algn="tl">
+                    <a:srgbClr val="000000">
+                      <a:alpha val="43137"/>
+                    </a:srgbClr>
+                  </a:outerShdw>
+                </a:effectLst>
+              </a:rPr>
+              <a:t>.\n” );</a:t>
+            </a:r>
+          </a:p>
+          <a:p>
+            <a:r>
+              <a:rPr lang="en-US" altLang="ko-KR" sz="1400">
+                <a:effectLst>
+                  <a:outerShdw blurRad="38100" dist="38100" dir="2700000" algn="tl">
+                    <a:srgbClr val="000000">
+                      <a:alpha val="43137"/>
+                    </a:srgbClr>
+                  </a:outerShdw>
+                </a:effectLst>
+              </a:rPr>
+              <a:t>	}</a:t>
+            </a:r>
+          </a:p>
+          <a:p>
+            <a:r>
+              <a:rPr lang="en-US" altLang="ko-KR" sz="1400">
+                <a:effectLst>
+                  <a:outerShdw blurRad="38100" dist="38100" dir="2700000" algn="tl">
+                    <a:srgbClr val="000000">
+                      <a:alpha val="43137"/>
+                    </a:srgbClr>
+                  </a:outerShdw>
+                </a:effectLst>
+              </a:rPr>
+              <a:t>	else if( ( number % 5 == 0 ) ) {</a:t>
+            </a:r>
+          </a:p>
+          <a:p>
+            <a:r>
+              <a:rPr lang="en-US" altLang="ko-KR" sz="1400">
+                <a:effectLst>
+                  <a:outerShdw blurRad="38100" dist="38100" dir="2700000" algn="tl">
+                    <a:srgbClr val="000000">
+                      <a:alpha val="43137"/>
+                    </a:srgbClr>
+                  </a:outerShdw>
+                </a:effectLst>
+              </a:rPr>
+              <a:t>			printf(“number</a:t>
+            </a:r>
+            <a:r>
+              <a:rPr lang="ko-KR" altLang="en-US" sz="1400">
+                <a:effectLst>
+                  <a:outerShdw blurRad="38100" dist="38100" dir="2700000" algn="tl">
+                    <a:srgbClr val="000000">
+                      <a:alpha val="43137"/>
+                    </a:srgbClr>
+                  </a:outerShdw>
+                </a:effectLst>
+              </a:rPr>
+              <a:t>는 </a:t>
+            </a:r>
+            <a:r>
+              <a:rPr lang="en-US" altLang="ko-KR" sz="1400">
+                <a:effectLst>
+                  <a:outerShdw blurRad="38100" dist="38100" dir="2700000" algn="tl">
+                    <a:srgbClr val="000000">
+                      <a:alpha val="43137"/>
+                    </a:srgbClr>
+                  </a:outerShdw>
+                </a:effectLst>
+              </a:rPr>
+              <a:t>5</a:t>
+            </a:r>
+            <a:r>
+              <a:rPr lang="ko-KR" altLang="en-US" sz="1400">
+                <a:effectLst>
+                  <a:outerShdw blurRad="38100" dist="38100" dir="2700000" algn="tl">
+                    <a:srgbClr val="000000">
+                      <a:alpha val="43137"/>
+                    </a:srgbClr>
+                  </a:outerShdw>
+                </a:effectLst>
+              </a:rPr>
+              <a:t>의 배수입니다</a:t>
+            </a:r>
+            <a:r>
+              <a:rPr lang="en-US" altLang="ko-KR" sz="1400">
                 <a:effectLst>
                   <a:outerShdw blurRad="38100" dist="38100" dir="2700000" algn="tl">
                     <a:srgbClr val="000000">
@@ -15215,47 +15436,47 @@
           </a:p>
           <a:p>
             <a:r>
-              <a:rPr lang="en-US" altLang="ko-KR">
-                <a:effectLst>
-                  <a:outerShdw blurRad="38100" dist="38100" dir="2700000" algn="tl">
-                    <a:srgbClr val="000000">
-                      <a:alpha val="43137"/>
-                    </a:srgbClr>
-                  </a:outerShdw>
-                </a:effectLst>
-              </a:rPr>
-              <a:t>}</a:t>
-            </a:r>
-          </a:p>
-          <a:p>
-            <a:r>
-              <a:rPr lang="en-US" altLang="ko-KR">
-                <a:effectLst>
-                  <a:outerShdw blurRad="38100" dist="38100" dir="2700000" algn="tl">
-                    <a:srgbClr val="000000">
-                      <a:alpha val="43137"/>
-                    </a:srgbClr>
-                  </a:outerShdw>
-                </a:effectLst>
-              </a:rPr>
-              <a:t>else if( ( number % 2 == 0 ) ) {</a:t>
-            </a:r>
-          </a:p>
-          <a:p>
-            <a:r>
-              <a:rPr lang="en-US" altLang="ko-KR">
-                <a:effectLst>
-                  <a:outerShdw blurRad="38100" dist="38100" dir="2700000" algn="tl">
-                    <a:srgbClr val="000000">
-                      <a:alpha val="43137"/>
-                    </a:srgbClr>
-                  </a:outerShdw>
-                </a:effectLst>
-              </a:rPr>
-              <a:t>	printf(“number</a:t>
-            </a:r>
-            <a:r>
-              <a:rPr lang="ko-KR" altLang="en-US">
+              <a:rPr lang="en-US" altLang="ko-KR" sz="1400">
+                <a:effectLst>
+                  <a:outerShdw blurRad="38100" dist="38100" dir="2700000" algn="tl">
+                    <a:srgbClr val="000000">
+                      <a:alpha val="43137"/>
+                    </a:srgbClr>
+                  </a:outerShdw>
+                </a:effectLst>
+              </a:rPr>
+              <a:t>	}</a:t>
+            </a:r>
+          </a:p>
+          <a:p>
+            <a:r>
+              <a:rPr lang="en-US" altLang="ko-KR" sz="1400">
+                <a:effectLst>
+                  <a:outerShdw blurRad="38100" dist="38100" dir="2700000" algn="tl">
+                    <a:srgbClr val="000000">
+                      <a:alpha val="43137"/>
+                    </a:srgbClr>
+                  </a:outerShdw>
+                </a:effectLst>
+              </a:rPr>
+              <a:t>	else {</a:t>
+            </a:r>
+          </a:p>
+          <a:p>
+            <a:r>
+              <a:rPr lang="en-US" altLang="ko-KR" sz="1400">
+                <a:effectLst>
+                  <a:outerShdw blurRad="38100" dist="38100" dir="2700000" algn="tl">
+                    <a:srgbClr val="000000">
+                      <a:alpha val="43137"/>
+                    </a:srgbClr>
+                  </a:outerShdw>
+                </a:effectLst>
+              </a:rPr>
+              <a:t>		printf( “number</a:t>
+            </a:r>
+            <a:r>
+              <a:rPr lang="ko-KR" altLang="en-US" sz="1400">
                 <a:effectLst>
                   <a:outerShdw blurRad="38100" dist="38100" dir="2700000" algn="tl">
                     <a:srgbClr val="000000">
@@ -15267,7 +15488,7 @@
               <a:t>는 </a:t>
             </a:r>
             <a:r>
-              <a:rPr lang="en-US" altLang="ko-KR">
+              <a:rPr lang="en-US" altLang="ko-KR" sz="1400">
                 <a:effectLst>
                   <a:outerShdw blurRad="38100" dist="38100" dir="2700000" algn="tl">
                     <a:srgbClr val="000000">
@@ -15279,187 +15500,7 @@
               <a:t>2</a:t>
             </a:r>
             <a:r>
-              <a:rPr lang="ko-KR" altLang="en-US">
-                <a:effectLst>
-                  <a:outerShdw blurRad="38100" dist="38100" dir="2700000" algn="tl">
-                    <a:srgbClr val="000000">
-                      <a:alpha val="43137"/>
-                    </a:srgbClr>
-                  </a:outerShdw>
-                </a:effectLst>
-              </a:rPr>
-              <a:t>의 배수입니다</a:t>
-            </a:r>
-            <a:r>
-              <a:rPr lang="en-US" altLang="ko-KR">
-                <a:effectLst>
-                  <a:outerShdw blurRad="38100" dist="38100" dir="2700000" algn="tl">
-                    <a:srgbClr val="000000">
-                      <a:alpha val="43137"/>
-                    </a:srgbClr>
-                  </a:outerShdw>
-                </a:effectLst>
-              </a:rPr>
-              <a:t>.\n”);</a:t>
-            </a:r>
-          </a:p>
-          <a:p>
-            <a:r>
-              <a:rPr lang="en-US" altLang="ko-KR">
-                <a:effectLst>
-                  <a:outerShdw blurRad="38100" dist="38100" dir="2700000" algn="tl">
-                    <a:srgbClr val="000000">
-                      <a:alpha val="43137"/>
-                    </a:srgbClr>
-                  </a:outerShdw>
-                </a:effectLst>
-              </a:rPr>
-              <a:t>}</a:t>
-            </a:r>
-          </a:p>
-          <a:p>
-            <a:r>
-              <a:rPr lang="en-US" altLang="ko-KR">
-                <a:effectLst>
-                  <a:outerShdw blurRad="38100" dist="38100" dir="2700000" algn="tl">
-                    <a:srgbClr val="000000">
-                      <a:alpha val="43137"/>
-                    </a:srgbClr>
-                  </a:outerShdw>
-                </a:effectLst>
-              </a:rPr>
-              <a:t>else if( ( number % 5 == 0 ) ) {</a:t>
-            </a:r>
-          </a:p>
-          <a:p>
-            <a:r>
-              <a:rPr lang="en-US" altLang="ko-KR">
-                <a:effectLst>
-                  <a:outerShdw blurRad="38100" dist="38100" dir="2700000" algn="tl">
-                    <a:srgbClr val="000000">
-                      <a:alpha val="43137"/>
-                    </a:srgbClr>
-                  </a:outerShdw>
-                </a:effectLst>
-              </a:rPr>
-              <a:t>	printf(“number</a:t>
-            </a:r>
-            <a:r>
-              <a:rPr lang="ko-KR" altLang="en-US">
-                <a:effectLst>
-                  <a:outerShdw blurRad="38100" dist="38100" dir="2700000" algn="tl">
-                    <a:srgbClr val="000000">
-                      <a:alpha val="43137"/>
-                    </a:srgbClr>
-                  </a:outerShdw>
-                </a:effectLst>
-              </a:rPr>
-              <a:t>는 </a:t>
-            </a:r>
-            <a:r>
-              <a:rPr lang="en-US" altLang="ko-KR">
-                <a:effectLst>
-                  <a:outerShdw blurRad="38100" dist="38100" dir="2700000" algn="tl">
-                    <a:srgbClr val="000000">
-                      <a:alpha val="43137"/>
-                    </a:srgbClr>
-                  </a:outerShdw>
-                </a:effectLst>
-              </a:rPr>
-              <a:t>5</a:t>
-            </a:r>
-            <a:r>
-              <a:rPr lang="ko-KR" altLang="en-US">
-                <a:effectLst>
-                  <a:outerShdw blurRad="38100" dist="38100" dir="2700000" algn="tl">
-                    <a:srgbClr val="000000">
-                      <a:alpha val="43137"/>
-                    </a:srgbClr>
-                  </a:outerShdw>
-                </a:effectLst>
-              </a:rPr>
-              <a:t>의 배수입니다</a:t>
-            </a:r>
-            <a:r>
-              <a:rPr lang="en-US" altLang="ko-KR">
-                <a:effectLst>
-                  <a:outerShdw blurRad="38100" dist="38100" dir="2700000" algn="tl">
-                    <a:srgbClr val="000000">
-                      <a:alpha val="43137"/>
-                    </a:srgbClr>
-                  </a:outerShdw>
-                </a:effectLst>
-              </a:rPr>
-              <a:t>.\n”);</a:t>
-            </a:r>
-          </a:p>
-          <a:p>
-            <a:r>
-              <a:rPr lang="en-US" altLang="ko-KR">
-                <a:effectLst>
-                  <a:outerShdw blurRad="38100" dist="38100" dir="2700000" algn="tl">
-                    <a:srgbClr val="000000">
-                      <a:alpha val="43137"/>
-                    </a:srgbClr>
-                  </a:outerShdw>
-                </a:effectLst>
-              </a:rPr>
-              <a:t>}</a:t>
-            </a:r>
-          </a:p>
-          <a:p>
-            <a:r>
-              <a:rPr lang="en-US" altLang="ko-KR">
-                <a:effectLst>
-                  <a:outerShdw blurRad="38100" dist="38100" dir="2700000" algn="tl">
-                    <a:srgbClr val="000000">
-                      <a:alpha val="43137"/>
-                    </a:srgbClr>
-                  </a:outerShdw>
-                </a:effectLst>
-              </a:rPr>
-              <a:t>else {</a:t>
-            </a:r>
-          </a:p>
-          <a:p>
-            <a:r>
-              <a:rPr lang="en-US" altLang="ko-KR">
-                <a:effectLst>
-                  <a:outerShdw blurRad="38100" dist="38100" dir="2700000" algn="tl">
-                    <a:srgbClr val="000000">
-                      <a:alpha val="43137"/>
-                    </a:srgbClr>
-                  </a:outerShdw>
-                </a:effectLst>
-              </a:rPr>
-              <a:t>	printf( “number</a:t>
-            </a:r>
-            <a:r>
-              <a:rPr lang="ko-KR" altLang="en-US">
-                <a:effectLst>
-                  <a:outerShdw blurRad="38100" dist="38100" dir="2700000" algn="tl">
-                    <a:srgbClr val="000000">
-                      <a:alpha val="43137"/>
-                    </a:srgbClr>
-                  </a:outerShdw>
-                </a:effectLst>
-              </a:rPr>
-              <a:t>는 </a:t>
-            </a:r>
-            <a:r>
-              <a:rPr lang="en-US" altLang="ko-KR">
-                <a:effectLst>
-                  <a:outerShdw blurRad="38100" dist="38100" dir="2700000" algn="tl">
-                    <a:srgbClr val="000000">
-                      <a:alpha val="43137"/>
-                    </a:srgbClr>
-                  </a:outerShdw>
-                </a:effectLst>
-              </a:rPr>
-              <a:t>2</a:t>
-            </a:r>
-            <a:r>
-              <a:rPr lang="ko-KR" altLang="en-US">
+              <a:rPr lang="ko-KR" altLang="en-US" sz="1400">
                 <a:effectLst>
                   <a:outerShdw blurRad="38100" dist="38100" dir="2700000" algn="tl">
                     <a:srgbClr val="000000">
@@ -15471,7 +15512,7 @@
               <a:t>의 배수도</a:t>
             </a:r>
             <a:r>
-              <a:rPr lang="en-US" altLang="ko-KR">
+              <a:rPr lang="en-US" altLang="ko-KR" sz="1400">
                 <a:effectLst>
                   <a:outerShdw blurRad="38100" dist="38100" dir="2700000" algn="tl">
                     <a:srgbClr val="000000">
@@ -15483,7 +15524,7 @@
               <a:t>, 5</a:t>
             </a:r>
             <a:r>
-              <a:rPr lang="ko-KR" altLang="en-US">
+              <a:rPr lang="ko-KR" altLang="en-US" sz="1400">
                 <a:effectLst>
                   <a:outerShdw blurRad="38100" dist="38100" dir="2700000" algn="tl">
                     <a:srgbClr val="000000">
@@ -15495,7 +15536,7 @@
               <a:t>의 배수도 아닙니다</a:t>
             </a:r>
             <a:r>
-              <a:rPr lang="en-US" altLang="ko-KR">
+              <a:rPr lang="en-US" altLang="ko-KR" sz="1400">
                 <a:effectLst>
                   <a:outerShdw blurRad="38100" dist="38100" dir="2700000" algn="tl">
                     <a:srgbClr val="000000">
@@ -15509,7 +15550,49 @@
           </a:p>
           <a:p>
             <a:r>
-              <a:rPr lang="en-US" altLang="ko-KR">
+              <a:rPr lang="en-US" altLang="ko-KR" sz="1400">
+                <a:effectLst>
+                  <a:outerShdw blurRad="38100" dist="38100" dir="2700000" algn="tl">
+                    <a:srgbClr val="000000">
+                      <a:alpha val="43137"/>
+                    </a:srgbClr>
+                  </a:outerShdw>
+                </a:effectLst>
+              </a:rPr>
+              <a:t>	}</a:t>
+            </a:r>
+          </a:p>
+          <a:p>
+            <a:r>
+              <a:rPr lang="en-US" altLang="ko-KR" sz="1400">
+                <a:effectLst>
+                  <a:outerShdw blurRad="38100" dist="38100" dir="2700000" algn="tl">
+                    <a:srgbClr val="000000">
+                      <a:alpha val="43137"/>
+                    </a:srgbClr>
+                  </a:outerShdw>
+                </a:effectLst>
+              </a:rPr>
+              <a:t>	</a:t>
+            </a:r>
+          </a:p>
+          <a:p>
+            <a:r>
+              <a:rPr lang="en-US" altLang="ko-KR" sz="1400">
+                <a:effectLst>
+                  <a:outerShdw blurRad="38100" dist="38100" dir="2700000" algn="tl">
+                    <a:srgbClr val="000000">
+                      <a:alpha val="43137"/>
+                    </a:srgbClr>
+                  </a:outerShdw>
+                </a:effectLst>
+              </a:rPr>
+              <a:t>	return 0;</a:t>
+            </a:r>
+          </a:p>
+          <a:p>
+            <a:r>
+              <a:rPr lang="en-US" altLang="ko-KR" sz="1400">
                 <a:effectLst>
                   <a:outerShdw blurRad="38100" dist="38100" dir="2700000" algn="tl">
                     <a:srgbClr val="000000">
@@ -15537,7 +15620,7 @@
         </p:nvSpPr>
         <p:spPr>
           <a:xfrm>
-            <a:off x="7579958" y="6061480"/>
+            <a:off x="7238103" y="6228084"/>
             <a:ext cx="5051313" cy="400110"/>
           </a:xfrm>
           <a:prstGeom prst="rect">
@@ -15878,371 +15961,6 @@
       </p:cxnSp>
       <p:sp>
         <p:nvSpPr>
-          <p:cNvPr id="9" name="TextBox 8">
-            <a:extLst>
-              <a:ext uri="{FF2B5EF4-FFF2-40B4-BE49-F238E27FC236}">
-                <a16:creationId xmlns:a16="http://schemas.microsoft.com/office/drawing/2014/main" id="{D1A4CC41-F4C6-4BBB-BED5-C25F7B263FDF}"/>
-              </a:ext>
-            </a:extLst>
-          </p:cNvPr>
-          <p:cNvSpPr txBox="1"/>
-          <p:nvPr/>
-        </p:nvSpPr>
-        <p:spPr>
-          <a:xfrm>
-            <a:off x="730922" y="1941546"/>
-            <a:ext cx="8554720" cy="4524315"/>
-          </a:xfrm>
-          <a:prstGeom prst="rect">
-            <a:avLst/>
-          </a:prstGeom>
-          <a:noFill/>
-        </p:spPr>
-        <p:txBody>
-          <a:bodyPr wrap="square" rtlCol="0">
-            <a:spAutoFit/>
-          </a:bodyPr>
-          <a:lstStyle/>
-          <a:p>
-            <a:r>
-              <a:rPr lang="en-US" altLang="ko-KR" sz="2400">
-                <a:effectLst>
-                  <a:outerShdw blurRad="38100" dist="38100" dir="2700000" algn="tl">
-                    <a:srgbClr val="000000">
-                      <a:alpha val="43137"/>
-                    </a:srgbClr>
-                  </a:outerShdw>
-                </a:effectLst>
-              </a:rPr>
-              <a:t>switch( </a:t>
-            </a:r>
-            <a:r>
-              <a:rPr lang="ko-KR" altLang="en-US" sz="2400">
-                <a:effectLst>
-                  <a:outerShdw blurRad="38100" dist="38100" dir="2700000" algn="tl">
-                    <a:srgbClr val="000000">
-                      <a:alpha val="43137"/>
-                    </a:srgbClr>
-                  </a:outerShdw>
-                </a:effectLst>
-              </a:rPr>
-              <a:t>변수 </a:t>
-            </a:r>
-            <a:r>
-              <a:rPr lang="en-US" altLang="ko-KR" sz="2400">
-                <a:effectLst>
-                  <a:outerShdw blurRad="38100" dist="38100" dir="2700000" algn="tl">
-                    <a:srgbClr val="000000">
-                      <a:alpha val="43137"/>
-                    </a:srgbClr>
-                  </a:outerShdw>
-                </a:effectLst>
-              </a:rPr>
-              <a:t>) {</a:t>
-            </a:r>
-          </a:p>
-          <a:p>
-            <a:r>
-              <a:rPr lang="en-US" altLang="ko-KR" sz="2400">
-                <a:effectLst>
-                  <a:outerShdw blurRad="38100" dist="38100" dir="2700000" algn="tl">
-                    <a:srgbClr val="000000">
-                      <a:alpha val="43137"/>
-                    </a:srgbClr>
-                  </a:outerShdw>
-                </a:effectLst>
-              </a:rPr>
-              <a:t>	case </a:t>
-            </a:r>
-            <a:r>
-              <a:rPr lang="ko-KR" altLang="en-US" sz="2400">
-                <a:effectLst>
-                  <a:outerShdw blurRad="38100" dist="38100" dir="2700000" algn="tl">
-                    <a:srgbClr val="000000">
-                      <a:alpha val="43137"/>
-                    </a:srgbClr>
-                  </a:outerShdw>
-                </a:effectLst>
-              </a:rPr>
-              <a:t>값</a:t>
-            </a:r>
-            <a:r>
-              <a:rPr lang="en-US" altLang="ko-KR" sz="2400">
-                <a:effectLst>
-                  <a:outerShdw blurRad="38100" dist="38100" dir="2700000" algn="tl">
-                    <a:srgbClr val="000000">
-                      <a:alpha val="43137"/>
-                    </a:srgbClr>
-                  </a:outerShdw>
-                </a:effectLst>
-              </a:rPr>
-              <a:t>1</a:t>
-            </a:r>
-            <a:r>
-              <a:rPr lang="ko-KR" altLang="en-US" sz="2400">
-                <a:effectLst>
-                  <a:outerShdw blurRad="38100" dist="38100" dir="2700000" algn="tl">
-                    <a:srgbClr val="000000">
-                      <a:alpha val="43137"/>
-                    </a:srgbClr>
-                  </a:outerShdw>
-                </a:effectLst>
-              </a:rPr>
-              <a:t> </a:t>
-            </a:r>
-            <a:r>
-              <a:rPr lang="en-US" altLang="ko-KR" sz="2400">
-                <a:effectLst>
-                  <a:outerShdw blurRad="38100" dist="38100" dir="2700000" algn="tl">
-                    <a:srgbClr val="000000">
-                      <a:alpha val="43137"/>
-                    </a:srgbClr>
-                  </a:outerShdw>
-                </a:effectLst>
-              </a:rPr>
-              <a:t>:</a:t>
-            </a:r>
-          </a:p>
-          <a:p>
-            <a:r>
-              <a:rPr lang="en-US" altLang="ko-KR" sz="2400">
-                <a:effectLst>
-                  <a:outerShdw blurRad="38100" dist="38100" dir="2700000" algn="tl">
-                    <a:srgbClr val="000000">
-                      <a:alpha val="43137"/>
-                    </a:srgbClr>
-                  </a:outerShdw>
-                </a:effectLst>
-              </a:rPr>
-              <a:t>		</a:t>
-            </a:r>
-            <a:r>
-              <a:rPr lang="ko-KR" altLang="en-US" sz="2400">
-                <a:effectLst>
-                  <a:outerShdw blurRad="38100" dist="38100" dir="2700000" algn="tl">
-                    <a:srgbClr val="000000">
-                      <a:alpha val="43137"/>
-                    </a:srgbClr>
-                  </a:outerShdw>
-                </a:effectLst>
-              </a:rPr>
-              <a:t>수행내용</a:t>
-            </a:r>
-            <a:r>
-              <a:rPr lang="en-US" altLang="ko-KR" sz="2400">
-                <a:effectLst>
-                  <a:outerShdw blurRad="38100" dist="38100" dir="2700000" algn="tl">
-                    <a:srgbClr val="000000">
-                      <a:alpha val="43137"/>
-                    </a:srgbClr>
-                  </a:outerShdw>
-                </a:effectLst>
-              </a:rPr>
-              <a:t>...</a:t>
-            </a:r>
-          </a:p>
-          <a:p>
-            <a:r>
-              <a:rPr lang="en-US" altLang="ko-KR" sz="2400">
-                <a:effectLst>
-                  <a:outerShdw blurRad="38100" dist="38100" dir="2700000" algn="tl">
-                    <a:srgbClr val="000000">
-                      <a:alpha val="43137"/>
-                    </a:srgbClr>
-                  </a:outerShdw>
-                </a:effectLst>
-              </a:rPr>
-              <a:t>		break;</a:t>
-            </a:r>
-          </a:p>
-          <a:p>
-            <a:r>
-              <a:rPr lang="en-US" altLang="ko-KR" sz="2400">
-                <a:effectLst>
-                  <a:outerShdw blurRad="38100" dist="38100" dir="2700000" algn="tl">
-                    <a:srgbClr val="000000">
-                      <a:alpha val="43137"/>
-                    </a:srgbClr>
-                  </a:outerShdw>
-                </a:effectLst>
-              </a:rPr>
-              <a:t>	case </a:t>
-            </a:r>
-            <a:r>
-              <a:rPr lang="ko-KR" altLang="en-US" sz="2400">
-                <a:effectLst>
-                  <a:outerShdw blurRad="38100" dist="38100" dir="2700000" algn="tl">
-                    <a:srgbClr val="000000">
-                      <a:alpha val="43137"/>
-                    </a:srgbClr>
-                  </a:outerShdw>
-                </a:effectLst>
-              </a:rPr>
-              <a:t>값</a:t>
-            </a:r>
-            <a:r>
-              <a:rPr lang="en-US" altLang="ko-KR" sz="2400">
-                <a:effectLst>
-                  <a:outerShdw blurRad="38100" dist="38100" dir="2700000" algn="tl">
-                    <a:srgbClr val="000000">
-                      <a:alpha val="43137"/>
-                    </a:srgbClr>
-                  </a:outerShdw>
-                </a:effectLst>
-              </a:rPr>
-              <a:t>2 :</a:t>
-            </a:r>
-          </a:p>
-          <a:p>
-            <a:r>
-              <a:rPr lang="en-US" altLang="ko-KR" sz="2400">
-                <a:effectLst>
-                  <a:outerShdw blurRad="38100" dist="38100" dir="2700000" algn="tl">
-                    <a:srgbClr val="000000">
-                      <a:alpha val="43137"/>
-                    </a:srgbClr>
-                  </a:outerShdw>
-                </a:effectLst>
-              </a:rPr>
-              <a:t>		</a:t>
-            </a:r>
-            <a:r>
-              <a:rPr lang="ko-KR" altLang="en-US" sz="2400">
-                <a:effectLst>
-                  <a:outerShdw blurRad="38100" dist="38100" dir="2700000" algn="tl">
-                    <a:srgbClr val="000000">
-                      <a:alpha val="43137"/>
-                    </a:srgbClr>
-                  </a:outerShdw>
-                </a:effectLst>
-              </a:rPr>
-              <a:t>수행내용</a:t>
-            </a:r>
-            <a:r>
-              <a:rPr lang="en-US" altLang="ko-KR" sz="2400">
-                <a:effectLst>
-                  <a:outerShdw blurRad="38100" dist="38100" dir="2700000" algn="tl">
-                    <a:srgbClr val="000000">
-                      <a:alpha val="43137"/>
-                    </a:srgbClr>
-                  </a:outerShdw>
-                </a:effectLst>
-              </a:rPr>
-              <a:t>...</a:t>
-            </a:r>
-          </a:p>
-          <a:p>
-            <a:r>
-              <a:rPr lang="en-US" altLang="ko-KR" sz="2400">
-                <a:effectLst>
-                  <a:outerShdw blurRad="38100" dist="38100" dir="2700000" algn="tl">
-                    <a:srgbClr val="000000">
-                      <a:alpha val="43137"/>
-                    </a:srgbClr>
-                  </a:outerShdw>
-                </a:effectLst>
-              </a:rPr>
-              <a:t>		break...</a:t>
-            </a:r>
-          </a:p>
-          <a:p>
-            <a:r>
-              <a:rPr lang="en-US" altLang="ko-KR" sz="2400">
-                <a:effectLst>
-                  <a:outerShdw blurRad="38100" dist="38100" dir="2700000" algn="tl">
-                    <a:srgbClr val="000000">
-                      <a:alpha val="43137"/>
-                    </a:srgbClr>
-                  </a:outerShdw>
-                </a:effectLst>
-              </a:rPr>
-              <a:t>	...</a:t>
-            </a:r>
-          </a:p>
-          <a:p>
-            <a:r>
-              <a:rPr lang="en-US" altLang="ko-KR" sz="2400">
-                <a:effectLst>
-                  <a:outerShdw blurRad="38100" dist="38100" dir="2700000" algn="tl">
-                    <a:srgbClr val="000000">
-                      <a:alpha val="43137"/>
-                    </a:srgbClr>
-                  </a:outerShdw>
-                </a:effectLst>
-              </a:rPr>
-              <a:t>	default :</a:t>
-            </a:r>
-          </a:p>
-          <a:p>
-            <a:r>
-              <a:rPr lang="en-US" altLang="ko-KR" sz="2400">
-                <a:effectLst>
-                  <a:outerShdw blurRad="38100" dist="38100" dir="2700000" algn="tl">
-                    <a:srgbClr val="000000">
-                      <a:alpha val="43137"/>
-                    </a:srgbClr>
-                  </a:outerShdw>
-                </a:effectLst>
-              </a:rPr>
-              <a:t>		</a:t>
-            </a:r>
-            <a:r>
-              <a:rPr lang="ko-KR" altLang="en-US" sz="2400">
-                <a:effectLst>
-                  <a:outerShdw blurRad="38100" dist="38100" dir="2700000" algn="tl">
-                    <a:srgbClr val="000000">
-                      <a:alpha val="43137"/>
-                    </a:srgbClr>
-                  </a:outerShdw>
-                </a:effectLst>
-              </a:rPr>
-              <a:t>수행내용</a:t>
-            </a:r>
-            <a:r>
-              <a:rPr lang="en-US" altLang="ko-KR" sz="2400">
-                <a:effectLst>
-                  <a:outerShdw blurRad="38100" dist="38100" dir="2700000" algn="tl">
-                    <a:srgbClr val="000000">
-                      <a:alpha val="43137"/>
-                    </a:srgbClr>
-                  </a:outerShdw>
-                </a:effectLst>
-              </a:rPr>
-              <a:t>...</a:t>
-            </a:r>
-          </a:p>
-          <a:p>
-            <a:r>
-              <a:rPr lang="en-US" altLang="ko-KR" sz="2400">
-                <a:effectLst>
-                  <a:outerShdw blurRad="38100" dist="38100" dir="2700000" algn="tl">
-                    <a:srgbClr val="000000">
-                      <a:alpha val="43137"/>
-                    </a:srgbClr>
-                  </a:outerShdw>
-                </a:effectLst>
-              </a:rPr>
-              <a:t>		break;</a:t>
-            </a:r>
-          </a:p>
-          <a:p>
-            <a:r>
-              <a:rPr lang="en-US" altLang="ko-KR" sz="2400">
-                <a:effectLst>
-                  <a:outerShdw blurRad="38100" dist="38100" dir="2700000" algn="tl">
-                    <a:srgbClr val="000000">
-                      <a:alpha val="43137"/>
-                    </a:srgbClr>
-                  </a:outerShdw>
-                </a:effectLst>
-              </a:rPr>
-              <a:t>}</a:t>
-            </a:r>
-          </a:p>
-        </p:txBody>
-      </p:sp>
-      <p:sp>
-        <p:nvSpPr>
           <p:cNvPr id="10" name="TextBox 9">
             <a:extLst>
               <a:ext uri="{FF2B5EF4-FFF2-40B4-BE49-F238E27FC236}">
@@ -16283,7 +16001,7 @@
                   </a:outerShdw>
                 </a:effectLst>
               </a:rPr>
-              <a:t>switch</a:t>
+              <a:t>if</a:t>
             </a:r>
             <a:r>
               <a:rPr lang="ko-KR" altLang="en-US" sz="2400" b="1">
@@ -16309,10 +16027,45 @@
           </a:p>
         </p:txBody>
       </p:sp>
+      <p:pic>
+        <p:nvPicPr>
+          <p:cNvPr id="5" name="그림 4">
+            <a:extLst>
+              <a:ext uri="{FF2B5EF4-FFF2-40B4-BE49-F238E27FC236}">
+                <a16:creationId xmlns:a16="http://schemas.microsoft.com/office/drawing/2014/main" id="{2853B0C4-432D-4476-B2C7-7E7BF428032E}"/>
+              </a:ext>
+            </a:extLst>
+          </p:cNvPr>
+          <p:cNvPicPr>
+            <a:picLocks noChangeAspect="1"/>
+          </p:cNvPicPr>
+          <p:nvPr/>
+        </p:nvPicPr>
+        <p:blipFill rotWithShape="1">
+          <a:blip r:embed="rId3">
+            <a:extLst>
+              <a:ext uri="{28A0092B-C50C-407E-A947-70E740481C1C}">
+                <a14:useLocalDpi xmlns:a14="http://schemas.microsoft.com/office/drawing/2010/main" val="0"/>
+              </a:ext>
+            </a:extLst>
+          </a:blip>
+          <a:srcRect b="16993"/>
+          <a:stretch/>
+        </p:blipFill>
+        <p:spPr>
+          <a:xfrm>
+            <a:off x="3396705" y="1113580"/>
+            <a:ext cx="5398589" cy="5692585"/>
+          </a:xfrm>
+          <a:prstGeom prst="rect">
+            <a:avLst/>
+          </a:prstGeom>
+        </p:spPr>
+      </p:pic>
     </p:spTree>
     <p:extLst>
       <p:ext uri="{BB962C8B-B14F-4D97-AF65-F5344CB8AC3E}">
-        <p14:creationId xmlns:p14="http://schemas.microsoft.com/office/powerpoint/2010/main" val="3801642085"/>
+        <p14:creationId xmlns:p14="http://schemas.microsoft.com/office/powerpoint/2010/main" val="1510090869"/>
       </p:ext>
     </p:extLst>
   </p:cSld>
@@ -16541,7 +16294,7 @@
         <p:spPr>
           <a:xfrm>
             <a:off x="730922" y="1941546"/>
-            <a:ext cx="9587454" cy="461665"/>
+            <a:ext cx="8554720" cy="4524315"/>
           </a:xfrm>
           <a:prstGeom prst="rect">
             <a:avLst/>
@@ -16564,7 +16317,7 @@
                   </a:outerShdw>
                 </a:effectLst>
               </a:rPr>
-              <a:t>1~7</a:t>
+              <a:t>switch( </a:t>
             </a:r>
             <a:r>
               <a:rPr lang="ko-KR" altLang="en-US" sz="2400">
@@ -16576,17 +16329,318 @@
                   </a:outerShdw>
                 </a:effectLst>
               </a:rPr>
-              <a:t>의 숫자를 입력해주면 대응하는 요일을 알려주는 프로그램</a:t>
-            </a:r>
-            <a:endParaRPr lang="en-US" altLang="ko-KR" sz="2400">
-              <a:effectLst>
-                <a:outerShdw blurRad="38100" dist="38100" dir="2700000" algn="tl">
-                  <a:srgbClr val="000000">
-                    <a:alpha val="43137"/>
-                  </a:srgbClr>
-                </a:outerShdw>
-              </a:effectLst>
-            </a:endParaRPr>
+              <a:t>변수 </a:t>
+            </a:r>
+            <a:r>
+              <a:rPr lang="en-US" altLang="ko-KR" sz="2400">
+                <a:effectLst>
+                  <a:outerShdw blurRad="38100" dist="38100" dir="2700000" algn="tl">
+                    <a:srgbClr val="000000">
+                      <a:alpha val="43137"/>
+                    </a:srgbClr>
+                  </a:outerShdw>
+                </a:effectLst>
+              </a:rPr>
+              <a:t>) {</a:t>
+            </a:r>
+          </a:p>
+          <a:p>
+            <a:r>
+              <a:rPr lang="en-US" altLang="ko-KR" sz="2400">
+                <a:effectLst>
+                  <a:outerShdw blurRad="38100" dist="38100" dir="2700000" algn="tl">
+                    <a:srgbClr val="000000">
+                      <a:alpha val="43137"/>
+                    </a:srgbClr>
+                  </a:outerShdw>
+                </a:effectLst>
+              </a:rPr>
+              <a:t>	case </a:t>
+            </a:r>
+            <a:r>
+              <a:rPr lang="ko-KR" altLang="en-US" sz="2400">
+                <a:effectLst>
+                  <a:outerShdw blurRad="38100" dist="38100" dir="2700000" algn="tl">
+                    <a:srgbClr val="000000">
+                      <a:alpha val="43137"/>
+                    </a:srgbClr>
+                  </a:outerShdw>
+                </a:effectLst>
+              </a:rPr>
+              <a:t>값</a:t>
+            </a:r>
+            <a:r>
+              <a:rPr lang="en-US" altLang="ko-KR" sz="2400">
+                <a:effectLst>
+                  <a:outerShdw blurRad="38100" dist="38100" dir="2700000" algn="tl">
+                    <a:srgbClr val="000000">
+                      <a:alpha val="43137"/>
+                    </a:srgbClr>
+                  </a:outerShdw>
+                </a:effectLst>
+              </a:rPr>
+              <a:t>1</a:t>
+            </a:r>
+            <a:r>
+              <a:rPr lang="ko-KR" altLang="en-US" sz="2400">
+                <a:effectLst>
+                  <a:outerShdw blurRad="38100" dist="38100" dir="2700000" algn="tl">
+                    <a:srgbClr val="000000">
+                      <a:alpha val="43137"/>
+                    </a:srgbClr>
+                  </a:outerShdw>
+                </a:effectLst>
+              </a:rPr>
+              <a:t> </a:t>
+            </a:r>
+            <a:r>
+              <a:rPr lang="en-US" altLang="ko-KR" sz="2400">
+                <a:effectLst>
+                  <a:outerShdw blurRad="38100" dist="38100" dir="2700000" algn="tl">
+                    <a:srgbClr val="000000">
+                      <a:alpha val="43137"/>
+                    </a:srgbClr>
+                  </a:outerShdw>
+                </a:effectLst>
+              </a:rPr>
+              <a:t>:</a:t>
+            </a:r>
+          </a:p>
+          <a:p>
+            <a:r>
+              <a:rPr lang="en-US" altLang="ko-KR" sz="2400">
+                <a:effectLst>
+                  <a:outerShdw blurRad="38100" dist="38100" dir="2700000" algn="tl">
+                    <a:srgbClr val="000000">
+                      <a:alpha val="43137"/>
+                    </a:srgbClr>
+                  </a:outerShdw>
+                </a:effectLst>
+              </a:rPr>
+              <a:t>		</a:t>
+            </a:r>
+            <a:r>
+              <a:rPr lang="ko-KR" altLang="en-US" sz="2400">
+                <a:effectLst>
+                  <a:outerShdw blurRad="38100" dist="38100" dir="2700000" algn="tl">
+                    <a:srgbClr val="000000">
+                      <a:alpha val="43137"/>
+                    </a:srgbClr>
+                  </a:outerShdw>
+                </a:effectLst>
+              </a:rPr>
+              <a:t>수행내용</a:t>
+            </a:r>
+            <a:r>
+              <a:rPr lang="en-US" altLang="ko-KR" sz="2400">
+                <a:effectLst>
+                  <a:outerShdw blurRad="38100" dist="38100" dir="2700000" algn="tl">
+                    <a:srgbClr val="000000">
+                      <a:alpha val="43137"/>
+                    </a:srgbClr>
+                  </a:outerShdw>
+                </a:effectLst>
+              </a:rPr>
+              <a:t>...</a:t>
+            </a:r>
+          </a:p>
+          <a:p>
+            <a:r>
+              <a:rPr lang="en-US" altLang="ko-KR" sz="2400">
+                <a:effectLst>
+                  <a:outerShdw blurRad="38100" dist="38100" dir="2700000" algn="tl">
+                    <a:srgbClr val="000000">
+                      <a:alpha val="43137"/>
+                    </a:srgbClr>
+                  </a:outerShdw>
+                </a:effectLst>
+              </a:rPr>
+              <a:t>		break;</a:t>
+            </a:r>
+          </a:p>
+          <a:p>
+            <a:r>
+              <a:rPr lang="en-US" altLang="ko-KR" sz="2400">
+                <a:effectLst>
+                  <a:outerShdw blurRad="38100" dist="38100" dir="2700000" algn="tl">
+                    <a:srgbClr val="000000">
+                      <a:alpha val="43137"/>
+                    </a:srgbClr>
+                  </a:outerShdw>
+                </a:effectLst>
+              </a:rPr>
+              <a:t>	case </a:t>
+            </a:r>
+            <a:r>
+              <a:rPr lang="ko-KR" altLang="en-US" sz="2400">
+                <a:effectLst>
+                  <a:outerShdw blurRad="38100" dist="38100" dir="2700000" algn="tl">
+                    <a:srgbClr val="000000">
+                      <a:alpha val="43137"/>
+                    </a:srgbClr>
+                  </a:outerShdw>
+                </a:effectLst>
+              </a:rPr>
+              <a:t>값</a:t>
+            </a:r>
+            <a:r>
+              <a:rPr lang="en-US" altLang="ko-KR" sz="2400">
+                <a:effectLst>
+                  <a:outerShdw blurRad="38100" dist="38100" dir="2700000" algn="tl">
+                    <a:srgbClr val="000000">
+                      <a:alpha val="43137"/>
+                    </a:srgbClr>
+                  </a:outerShdw>
+                </a:effectLst>
+              </a:rPr>
+              <a:t>2 :</a:t>
+            </a:r>
+          </a:p>
+          <a:p>
+            <a:r>
+              <a:rPr lang="en-US" altLang="ko-KR" sz="2400">
+                <a:effectLst>
+                  <a:outerShdw blurRad="38100" dist="38100" dir="2700000" algn="tl">
+                    <a:srgbClr val="000000">
+                      <a:alpha val="43137"/>
+                    </a:srgbClr>
+                  </a:outerShdw>
+                </a:effectLst>
+              </a:rPr>
+              <a:t>		</a:t>
+            </a:r>
+            <a:r>
+              <a:rPr lang="ko-KR" altLang="en-US" sz="2400">
+                <a:effectLst>
+                  <a:outerShdw blurRad="38100" dist="38100" dir="2700000" algn="tl">
+                    <a:srgbClr val="000000">
+                      <a:alpha val="43137"/>
+                    </a:srgbClr>
+                  </a:outerShdw>
+                </a:effectLst>
+              </a:rPr>
+              <a:t>수행내용</a:t>
+            </a:r>
+            <a:r>
+              <a:rPr lang="en-US" altLang="ko-KR" sz="2400">
+                <a:effectLst>
+                  <a:outerShdw blurRad="38100" dist="38100" dir="2700000" algn="tl">
+                    <a:srgbClr val="000000">
+                      <a:alpha val="43137"/>
+                    </a:srgbClr>
+                  </a:outerShdw>
+                </a:effectLst>
+              </a:rPr>
+              <a:t>...</a:t>
+            </a:r>
+          </a:p>
+          <a:p>
+            <a:r>
+              <a:rPr lang="en-US" altLang="ko-KR" sz="2400">
+                <a:effectLst>
+                  <a:outerShdw blurRad="38100" dist="38100" dir="2700000" algn="tl">
+                    <a:srgbClr val="000000">
+                      <a:alpha val="43137"/>
+                    </a:srgbClr>
+                  </a:outerShdw>
+                </a:effectLst>
+              </a:rPr>
+              <a:t>		break...</a:t>
+            </a:r>
+          </a:p>
+          <a:p>
+            <a:r>
+              <a:rPr lang="en-US" altLang="ko-KR" sz="2400">
+                <a:effectLst>
+                  <a:outerShdw blurRad="38100" dist="38100" dir="2700000" algn="tl">
+                    <a:srgbClr val="000000">
+                      <a:alpha val="43137"/>
+                    </a:srgbClr>
+                  </a:outerShdw>
+                </a:effectLst>
+              </a:rPr>
+              <a:t>	...</a:t>
+            </a:r>
+          </a:p>
+          <a:p>
+            <a:r>
+              <a:rPr lang="en-US" altLang="ko-KR" sz="2400">
+                <a:effectLst>
+                  <a:outerShdw blurRad="38100" dist="38100" dir="2700000" algn="tl">
+                    <a:srgbClr val="000000">
+                      <a:alpha val="43137"/>
+                    </a:srgbClr>
+                  </a:outerShdw>
+                </a:effectLst>
+              </a:rPr>
+              <a:t>	default :</a:t>
+            </a:r>
+          </a:p>
+          <a:p>
+            <a:r>
+              <a:rPr lang="en-US" altLang="ko-KR" sz="2400">
+                <a:effectLst>
+                  <a:outerShdw blurRad="38100" dist="38100" dir="2700000" algn="tl">
+                    <a:srgbClr val="000000">
+                      <a:alpha val="43137"/>
+                    </a:srgbClr>
+                  </a:outerShdw>
+                </a:effectLst>
+              </a:rPr>
+              <a:t>		</a:t>
+            </a:r>
+            <a:r>
+              <a:rPr lang="ko-KR" altLang="en-US" sz="2400">
+                <a:effectLst>
+                  <a:outerShdw blurRad="38100" dist="38100" dir="2700000" algn="tl">
+                    <a:srgbClr val="000000">
+                      <a:alpha val="43137"/>
+                    </a:srgbClr>
+                  </a:outerShdw>
+                </a:effectLst>
+              </a:rPr>
+              <a:t>수행내용</a:t>
+            </a:r>
+            <a:r>
+              <a:rPr lang="en-US" altLang="ko-KR" sz="2400">
+                <a:effectLst>
+                  <a:outerShdw blurRad="38100" dist="38100" dir="2700000" algn="tl">
+                    <a:srgbClr val="000000">
+                      <a:alpha val="43137"/>
+                    </a:srgbClr>
+                  </a:outerShdw>
+                </a:effectLst>
+              </a:rPr>
+              <a:t>...</a:t>
+            </a:r>
+          </a:p>
+          <a:p>
+            <a:r>
+              <a:rPr lang="en-US" altLang="ko-KR" sz="2400">
+                <a:effectLst>
+                  <a:outerShdw blurRad="38100" dist="38100" dir="2700000" algn="tl">
+                    <a:srgbClr val="000000">
+                      <a:alpha val="43137"/>
+                    </a:srgbClr>
+                  </a:outerShdw>
+                </a:effectLst>
+              </a:rPr>
+              <a:t>		break;</a:t>
+            </a:r>
+          </a:p>
+          <a:p>
+            <a:r>
+              <a:rPr lang="en-US" altLang="ko-KR" sz="2400">
+                <a:effectLst>
+                  <a:outerShdw blurRad="38100" dist="38100" dir="2700000" algn="tl">
+                    <a:srgbClr val="000000">
+                      <a:alpha val="43137"/>
+                    </a:srgbClr>
+                  </a:outerShdw>
+                </a:effectLst>
+              </a:rPr>
+              <a:t>}</a:t>
+            </a:r>
           </a:p>
         </p:txBody>
       </p:sp>
@@ -16658,430 +16712,10 @@
           </a:p>
         </p:txBody>
       </p:sp>
-      <p:sp>
-        <p:nvSpPr>
-          <p:cNvPr id="8" name="TextBox 7">
-            <a:extLst>
-              <a:ext uri="{FF2B5EF4-FFF2-40B4-BE49-F238E27FC236}">
-                <a16:creationId xmlns:a16="http://schemas.microsoft.com/office/drawing/2014/main" id="{6F0D594C-B1B5-4E3F-9A71-ED5DC7DBEEB8}"/>
-              </a:ext>
-            </a:extLst>
-          </p:cNvPr>
-          <p:cNvSpPr txBox="1"/>
-          <p:nvPr/>
-        </p:nvSpPr>
-        <p:spPr>
-          <a:xfrm>
-            <a:off x="730922" y="2457821"/>
-            <a:ext cx="8554720" cy="3970318"/>
-          </a:xfrm>
-          <a:prstGeom prst="rect">
-            <a:avLst/>
-          </a:prstGeom>
-          <a:noFill/>
-          <a:ln>
-            <a:solidFill>
-              <a:schemeClr val="tx1"/>
-            </a:solidFill>
-          </a:ln>
-        </p:spPr>
-        <p:txBody>
-          <a:bodyPr wrap="square" rtlCol="0">
-            <a:spAutoFit/>
-          </a:bodyPr>
-          <a:lstStyle/>
-          <a:p>
-            <a:r>
-              <a:rPr lang="en-US" altLang="ko-KR">
-                <a:effectLst>
-                  <a:outerShdw blurRad="38100" dist="38100" dir="2700000" algn="tl">
-                    <a:srgbClr val="000000">
-                      <a:alpha val="43137"/>
-                    </a:srgbClr>
-                  </a:outerShdw>
-                </a:effectLst>
-              </a:rPr>
-              <a:t>scanf( “%d”, &amp;dayNumber );</a:t>
-            </a:r>
-          </a:p>
-          <a:p>
-            <a:endParaRPr lang="en-US" altLang="ko-KR">
-              <a:effectLst>
-                <a:outerShdw blurRad="38100" dist="38100" dir="2700000" algn="tl">
-                  <a:srgbClr val="000000">
-                    <a:alpha val="43137"/>
-                  </a:srgbClr>
-                </a:outerShdw>
-              </a:effectLst>
-            </a:endParaRPr>
-          </a:p>
-          <a:p>
-            <a:r>
-              <a:rPr lang="en-US" altLang="ko-KR">
-                <a:effectLst>
-                  <a:outerShdw blurRad="38100" dist="38100" dir="2700000" algn="tl">
-                    <a:srgbClr val="000000">
-                      <a:alpha val="43137"/>
-                    </a:srgbClr>
-                  </a:outerShdw>
-                </a:effectLst>
-              </a:rPr>
-              <a:t>switch( dayNumber ) {</a:t>
-            </a:r>
-          </a:p>
-          <a:p>
-            <a:r>
-              <a:rPr lang="en-US" altLang="ko-KR">
-                <a:effectLst>
-                  <a:outerShdw blurRad="38100" dist="38100" dir="2700000" algn="tl">
-                    <a:srgbClr val="000000">
-                      <a:alpha val="43137"/>
-                    </a:srgbClr>
-                  </a:outerShdw>
-                </a:effectLst>
-              </a:rPr>
-              <a:t>	case 1 :</a:t>
-            </a:r>
-          </a:p>
-          <a:p>
-            <a:r>
-              <a:rPr lang="en-US" altLang="ko-KR">
-                <a:effectLst>
-                  <a:outerShdw blurRad="38100" dist="38100" dir="2700000" algn="tl">
-                    <a:srgbClr val="000000">
-                      <a:alpha val="43137"/>
-                    </a:srgbClr>
-                  </a:outerShdw>
-                </a:effectLst>
-              </a:rPr>
-              <a:t>		printf( “</a:t>
-            </a:r>
-            <a:r>
-              <a:rPr lang="ko-KR" altLang="en-US">
-                <a:effectLst>
-                  <a:outerShdw blurRad="38100" dist="38100" dir="2700000" algn="tl">
-                    <a:srgbClr val="000000">
-                      <a:alpha val="43137"/>
-                    </a:srgbClr>
-                  </a:outerShdw>
-                </a:effectLst>
-              </a:rPr>
-              <a:t>월요일</a:t>
-            </a:r>
-            <a:r>
-              <a:rPr lang="en-US" altLang="ko-KR">
-                <a:effectLst>
-                  <a:outerShdw blurRad="38100" dist="38100" dir="2700000" algn="tl">
-                    <a:srgbClr val="000000">
-                      <a:alpha val="43137"/>
-                    </a:srgbClr>
-                  </a:outerShdw>
-                </a:effectLst>
-              </a:rPr>
-              <a:t>\n” );</a:t>
-            </a:r>
-          </a:p>
-          <a:p>
-            <a:r>
-              <a:rPr lang="en-US" altLang="ko-KR">
-                <a:effectLst>
-                  <a:outerShdw blurRad="38100" dist="38100" dir="2700000" algn="tl">
-                    <a:srgbClr val="000000">
-                      <a:alpha val="43137"/>
-                    </a:srgbClr>
-                  </a:outerShdw>
-                </a:effectLst>
-              </a:rPr>
-              <a:t>		break;</a:t>
-            </a:r>
-          </a:p>
-          <a:p>
-            <a:r>
-              <a:rPr lang="en-US" altLang="ko-KR">
-                <a:effectLst>
-                  <a:outerShdw blurRad="38100" dist="38100" dir="2700000" algn="tl">
-                    <a:srgbClr val="000000">
-                      <a:alpha val="43137"/>
-                    </a:srgbClr>
-                  </a:outerShdw>
-                </a:effectLst>
-              </a:rPr>
-              <a:t>	case 2 :</a:t>
-            </a:r>
-          </a:p>
-          <a:p>
-            <a:r>
-              <a:rPr lang="en-US" altLang="ko-KR">
-                <a:effectLst>
-                  <a:outerShdw blurRad="38100" dist="38100" dir="2700000" algn="tl">
-                    <a:srgbClr val="000000">
-                      <a:alpha val="43137"/>
-                    </a:srgbClr>
-                  </a:outerShdw>
-                </a:effectLst>
-              </a:rPr>
-              <a:t>		printf( “</a:t>
-            </a:r>
-            <a:r>
-              <a:rPr lang="ko-KR" altLang="en-US">
-                <a:effectLst>
-                  <a:outerShdw blurRad="38100" dist="38100" dir="2700000" algn="tl">
-                    <a:srgbClr val="000000">
-                      <a:alpha val="43137"/>
-                    </a:srgbClr>
-                  </a:outerShdw>
-                </a:effectLst>
-              </a:rPr>
-              <a:t>화요일</a:t>
-            </a:r>
-            <a:r>
-              <a:rPr lang="en-US" altLang="ko-KR">
-                <a:effectLst>
-                  <a:outerShdw blurRad="38100" dist="38100" dir="2700000" algn="tl">
-                    <a:srgbClr val="000000">
-                      <a:alpha val="43137"/>
-                    </a:srgbClr>
-                  </a:outerShdw>
-                </a:effectLst>
-              </a:rPr>
-              <a:t>\n” );</a:t>
-            </a:r>
-          </a:p>
-          <a:p>
-            <a:r>
-              <a:rPr lang="en-US" altLang="ko-KR">
-                <a:effectLst>
-                  <a:outerShdw blurRad="38100" dist="38100" dir="2700000" algn="tl">
-                    <a:srgbClr val="000000">
-                      <a:alpha val="43137"/>
-                    </a:srgbClr>
-                  </a:outerShdw>
-                </a:effectLst>
-              </a:rPr>
-              <a:t>		break;</a:t>
-            </a:r>
-          </a:p>
-          <a:p>
-            <a:r>
-              <a:rPr lang="en-US" altLang="ko-KR">
-                <a:effectLst>
-                  <a:outerShdw blurRad="38100" dist="38100" dir="2700000" algn="tl">
-                    <a:srgbClr val="000000">
-                      <a:alpha val="43137"/>
-                    </a:srgbClr>
-                  </a:outerShdw>
-                </a:effectLst>
-              </a:rPr>
-              <a:t>	...</a:t>
-            </a:r>
-          </a:p>
-          <a:p>
-            <a:r>
-              <a:rPr lang="en-US" altLang="ko-KR">
-                <a:effectLst>
-                  <a:outerShdw blurRad="38100" dist="38100" dir="2700000" algn="tl">
-                    <a:srgbClr val="000000">
-                      <a:alpha val="43137"/>
-                    </a:srgbClr>
-                  </a:outerShdw>
-                </a:effectLst>
-              </a:rPr>
-              <a:t>	default :</a:t>
-            </a:r>
-          </a:p>
-          <a:p>
-            <a:r>
-              <a:rPr lang="en-US" altLang="ko-KR">
-                <a:effectLst>
-                  <a:outerShdw blurRad="38100" dist="38100" dir="2700000" algn="tl">
-                    <a:srgbClr val="000000">
-                      <a:alpha val="43137"/>
-                    </a:srgbClr>
-                  </a:outerShdw>
-                </a:effectLst>
-              </a:rPr>
-              <a:t>		printf(“</a:t>
-            </a:r>
-            <a:r>
-              <a:rPr lang="ko-KR" altLang="en-US">
-                <a:effectLst>
-                  <a:outerShdw blurRad="38100" dist="38100" dir="2700000" algn="tl">
-                    <a:srgbClr val="000000">
-                      <a:alpha val="43137"/>
-                    </a:srgbClr>
-                  </a:outerShdw>
-                </a:effectLst>
-              </a:rPr>
-              <a:t>숫자에 대응되는 요일이 없습니다</a:t>
-            </a:r>
-            <a:r>
-              <a:rPr lang="en-US" altLang="ko-KR">
-                <a:effectLst>
-                  <a:outerShdw blurRad="38100" dist="38100" dir="2700000" algn="tl">
-                    <a:srgbClr val="000000">
-                      <a:alpha val="43137"/>
-                    </a:srgbClr>
-                  </a:outerShdw>
-                </a:effectLst>
-              </a:rPr>
-              <a:t>!\n”);</a:t>
-            </a:r>
-          </a:p>
-          <a:p>
-            <a:r>
-              <a:rPr lang="en-US" altLang="ko-KR">
-                <a:effectLst>
-                  <a:outerShdw blurRad="38100" dist="38100" dir="2700000" algn="tl">
-                    <a:srgbClr val="000000">
-                      <a:alpha val="43137"/>
-                    </a:srgbClr>
-                  </a:outerShdw>
-                </a:effectLst>
-              </a:rPr>
-              <a:t>		break;</a:t>
-            </a:r>
-          </a:p>
-          <a:p>
-            <a:r>
-              <a:rPr lang="en-US" altLang="ko-KR">
-                <a:effectLst>
-                  <a:outerShdw blurRad="38100" dist="38100" dir="2700000" algn="tl">
-                    <a:srgbClr val="000000">
-                      <a:alpha val="43137"/>
-                    </a:srgbClr>
-                  </a:outerShdw>
-                </a:effectLst>
-              </a:rPr>
-              <a:t>}</a:t>
-            </a:r>
-          </a:p>
-        </p:txBody>
-      </p:sp>
-      <p:sp>
-        <p:nvSpPr>
-          <p:cNvPr id="11" name="TextBox 10">
-            <a:extLst>
-              <a:ext uri="{FF2B5EF4-FFF2-40B4-BE49-F238E27FC236}">
-                <a16:creationId xmlns:a16="http://schemas.microsoft.com/office/drawing/2014/main" id="{E1B4500A-9E81-4018-A45E-64D52AB8C031}"/>
-              </a:ext>
-            </a:extLst>
-          </p:cNvPr>
-          <p:cNvSpPr txBox="1"/>
-          <p:nvPr/>
-        </p:nvSpPr>
-        <p:spPr>
-          <a:xfrm>
-            <a:off x="7499275" y="6471907"/>
-            <a:ext cx="5051313" cy="400110"/>
-          </a:xfrm>
-          <a:prstGeom prst="rect">
-            <a:avLst/>
-          </a:prstGeom>
-          <a:noFill/>
-        </p:spPr>
-        <p:txBody>
-          <a:bodyPr wrap="square" rtlCol="0">
-            <a:spAutoFit/>
-          </a:bodyPr>
-          <a:lstStyle/>
-          <a:p>
-            <a:r>
-              <a:rPr lang="ko-KR" altLang="en-US" sz="2000">
-                <a:solidFill>
-                  <a:srgbClr val="FF0000"/>
-                </a:solidFill>
-                <a:effectLst>
-                  <a:outerShdw blurRad="38100" dist="38100" dir="2700000" algn="tl">
-                    <a:srgbClr val="000000">
-                      <a:alpha val="43137"/>
-                    </a:srgbClr>
-                  </a:outerShdw>
-                </a:effectLst>
-              </a:rPr>
-              <a:t>왜 </a:t>
-            </a:r>
-            <a:r>
-              <a:rPr lang="en-US" altLang="ko-KR" sz="2000">
-                <a:solidFill>
-                  <a:srgbClr val="FF0000"/>
-                </a:solidFill>
-                <a:effectLst>
-                  <a:outerShdw blurRad="38100" dist="38100" dir="2700000" algn="tl">
-                    <a:srgbClr val="000000">
-                      <a:alpha val="43137"/>
-                    </a:srgbClr>
-                  </a:outerShdw>
-                </a:effectLst>
-              </a:rPr>
-              <a:t>case</a:t>
-            </a:r>
-            <a:r>
-              <a:rPr lang="ko-KR" altLang="en-US" sz="2000">
-                <a:solidFill>
-                  <a:srgbClr val="FF0000"/>
-                </a:solidFill>
-                <a:effectLst>
-                  <a:outerShdw blurRad="38100" dist="38100" dir="2700000" algn="tl">
-                    <a:srgbClr val="000000">
-                      <a:alpha val="43137"/>
-                    </a:srgbClr>
-                  </a:outerShdw>
-                </a:effectLst>
-              </a:rPr>
-              <a:t>마다 </a:t>
-            </a:r>
-            <a:r>
-              <a:rPr lang="en-US" altLang="ko-KR" sz="2000">
-                <a:solidFill>
-                  <a:srgbClr val="FF0000"/>
-                </a:solidFill>
-                <a:effectLst>
-                  <a:outerShdw blurRad="38100" dist="38100" dir="2700000" algn="tl">
-                    <a:srgbClr val="000000">
-                      <a:alpha val="43137"/>
-                    </a:srgbClr>
-                  </a:outerShdw>
-                </a:effectLst>
-              </a:rPr>
-              <a:t>break</a:t>
-            </a:r>
-            <a:r>
-              <a:rPr lang="ko-KR" altLang="en-US" sz="2000">
-                <a:solidFill>
-                  <a:srgbClr val="FF0000"/>
-                </a:solidFill>
-                <a:effectLst>
-                  <a:outerShdw blurRad="38100" dist="38100" dir="2700000" algn="tl">
-                    <a:srgbClr val="000000">
-                      <a:alpha val="43137"/>
-                    </a:srgbClr>
-                  </a:outerShdw>
-                </a:effectLst>
-              </a:rPr>
-              <a:t>를 넣는거죠</a:t>
-            </a:r>
-            <a:r>
-              <a:rPr lang="en-US" altLang="ko-KR" sz="2000">
-                <a:solidFill>
-                  <a:srgbClr val="FF0000"/>
-                </a:solidFill>
-                <a:effectLst>
-                  <a:outerShdw blurRad="38100" dist="38100" dir="2700000" algn="tl">
-                    <a:srgbClr val="000000">
-                      <a:alpha val="43137"/>
-                    </a:srgbClr>
-                  </a:outerShdw>
-                </a:effectLst>
-              </a:rPr>
-              <a:t>?</a:t>
-            </a:r>
-          </a:p>
-        </p:txBody>
-      </p:sp>
     </p:spTree>
     <p:extLst>
       <p:ext uri="{BB962C8B-B14F-4D97-AF65-F5344CB8AC3E}">
-        <p14:creationId xmlns:p14="http://schemas.microsoft.com/office/powerpoint/2010/main" val="2337332516"/>
+        <p14:creationId xmlns:p14="http://schemas.microsoft.com/office/powerpoint/2010/main" val="3801642085"/>
       </p:ext>
     </p:extLst>
   </p:cSld>
@@ -17175,17 +16809,26 @@
           <a:p>
             <a:pPr algn="l"/>
             <a:r>
-              <a:rPr lang="ko-KR" altLang="en-US" b="1">
-                <a:effectLst>
-                  <a:outerShdw blurRad="38100" dist="38100" dir="2700000" algn="tl">
-                    <a:srgbClr val="000000">
-                      <a:alpha val="43137"/>
-                    </a:srgbClr>
-                  </a:outerShdw>
-                </a:effectLst>
-              </a:rPr>
-              <a:t>과제</a:t>
-            </a:r>
+              <a:rPr lang="ko-KR" altLang="en-US" b="1" err="1">
+                <a:effectLst>
+                  <a:outerShdw blurRad="38100" dist="38100" dir="2700000" algn="tl">
+                    <a:srgbClr val="000000">
+                      <a:alpha val="43137"/>
+                    </a:srgbClr>
+                  </a:outerShdw>
+                </a:effectLst>
+              </a:rPr>
+              <a:t>조건문</a:t>
+            </a:r>
+            <a:endParaRPr lang="ko-KR" altLang="en-US" b="1">
+              <a:effectLst>
+                <a:outerShdw blurRad="38100" dist="38100" dir="2700000" algn="tl">
+                  <a:srgbClr val="000000">
+                    <a:alpha val="43137"/>
+                  </a:srgbClr>
+                </a:outerShdw>
+              </a:effectLst>
+            </a:endParaRPr>
           </a:p>
         </p:txBody>
       </p:sp>
@@ -17288,10 +16931,10 @@
       </p:cxnSp>
       <p:sp>
         <p:nvSpPr>
-          <p:cNvPr id="8" name="TextBox 7">
-            <a:extLst>
-              <a:ext uri="{FF2B5EF4-FFF2-40B4-BE49-F238E27FC236}">
-                <a16:creationId xmlns:a16="http://schemas.microsoft.com/office/drawing/2014/main" id="{13B97781-C9A6-4A1D-AF9A-71573B0103F8}"/>
+          <p:cNvPr id="9" name="TextBox 8">
+            <a:extLst>
+              <a:ext uri="{FF2B5EF4-FFF2-40B4-BE49-F238E27FC236}">
+                <a16:creationId xmlns:a16="http://schemas.microsoft.com/office/drawing/2014/main" id="{D1A4CC41-F4C6-4BBB-BED5-C25F7B263FDF}"/>
               </a:ext>
             </a:extLst>
           </p:cNvPr>
@@ -17300,8 +16943,8 @@
         </p:nvSpPr>
         <p:spPr>
           <a:xfrm>
-            <a:off x="1209040" y="1600025"/>
-            <a:ext cx="8935557" cy="3539430"/>
+            <a:off x="730922" y="1941546"/>
+            <a:ext cx="9587454" cy="461665"/>
           </a:xfrm>
           <a:prstGeom prst="rect">
             <a:avLst/>
@@ -17314,23 +16957,31 @@
           </a:bodyPr>
           <a:lstStyle/>
           <a:p>
-            <a:pPr marL="457200" indent="-457200">
-              <a:buFont typeface="Arial" panose="020B0604020202020204" pitchFamily="34" charset="0"/>
-              <a:buChar char="•"/>
-            </a:pPr>
-            <a:r>
-              <a:rPr lang="ko-KR" altLang="en-US" sz="3200">
-                <a:effectLst>
-                  <a:outerShdw blurRad="38100" dist="38100" dir="2700000" algn="tl">
-                    <a:srgbClr val="000000">
-                      <a:alpha val="43137"/>
-                    </a:srgbClr>
-                  </a:outerShdw>
-                </a:effectLst>
-              </a:rPr>
-              <a:t>백준 아이디 만들고 학술부장에게 알려주기</a:t>
-            </a:r>
-            <a:endParaRPr lang="en-US" altLang="ko-KR" sz="3200">
+            <a:r>
+              <a:rPr lang="en-US" altLang="ko-KR" sz="2400">
+                <a:effectLst>
+                  <a:outerShdw blurRad="38100" dist="38100" dir="2700000" algn="tl">
+                    <a:srgbClr val="000000">
+                      <a:alpha val="43137"/>
+                    </a:srgbClr>
+                  </a:outerShdw>
+                </a:effectLst>
+              </a:rPr>
+              <a:t>1~7</a:t>
+            </a:r>
+            <a:r>
+              <a:rPr lang="ko-KR" altLang="en-US" sz="2400">
+                <a:effectLst>
+                  <a:outerShdw blurRad="38100" dist="38100" dir="2700000" algn="tl">
+                    <a:srgbClr val="000000">
+                      <a:alpha val="43137"/>
+                    </a:srgbClr>
+                  </a:outerShdw>
+                </a:effectLst>
+              </a:rPr>
+              <a:t>의 숫자를 입력해주면 대응하는 요일을 알려주는 프로그램</a:t>
+            </a:r>
+            <a:endParaRPr lang="en-US" altLang="ko-KR" sz="2400">
               <a:effectLst>
                 <a:outerShdw blurRad="38100" dist="38100" dir="2700000" algn="tl">
                   <a:srgbClr val="000000">
@@ -17340,12 +16991,65 @@
               </a:effectLst>
             </a:endParaRPr>
           </a:p>
+        </p:txBody>
+      </p:sp>
+      <p:sp>
+        <p:nvSpPr>
+          <p:cNvPr id="10" name="TextBox 9">
+            <a:extLst>
+              <a:ext uri="{FF2B5EF4-FFF2-40B4-BE49-F238E27FC236}">
+                <a16:creationId xmlns:a16="http://schemas.microsoft.com/office/drawing/2014/main" id="{3EE6770A-4D44-463D-B5DA-FC6E4713DF63}"/>
+              </a:ext>
+            </a:extLst>
+          </p:cNvPr>
+          <p:cNvSpPr txBox="1"/>
+          <p:nvPr/>
+        </p:nvSpPr>
+        <p:spPr>
+          <a:xfrm>
+            <a:off x="301812" y="1347761"/>
+            <a:ext cx="7700955" cy="461665"/>
+          </a:xfrm>
+          <a:prstGeom prst="rect">
+            <a:avLst/>
+          </a:prstGeom>
+          <a:noFill/>
+        </p:spPr>
+        <p:txBody>
+          <a:bodyPr wrap="square" rtlCol="0">
+            <a:spAutoFit/>
+          </a:bodyPr>
+          <a:lstStyle/>
           <a:p>
             <a:pPr marL="457200" indent="-457200">
               <a:buFont typeface="Arial" panose="020B0604020202020204" pitchFamily="34" charset="0"/>
               <a:buChar char="•"/>
             </a:pPr>
-            <a:endParaRPr lang="en-US" altLang="ko-KR" sz="3200">
+            <a:r>
+              <a:rPr lang="en-US" altLang="ko-KR" sz="2400" b="1">
+                <a:effectLst>
+                  <a:outerShdw blurRad="38100" dist="38100" dir="2700000" algn="tl">
+                    <a:srgbClr val="000000">
+                      <a:alpha val="43137"/>
+                    </a:srgbClr>
+                  </a:outerShdw>
+                </a:effectLst>
+              </a:rPr>
+              <a:t>switch</a:t>
+            </a:r>
+            <a:r>
+              <a:rPr lang="ko-KR" altLang="en-US" sz="2400" b="1">
+                <a:effectLst>
+                  <a:outerShdw blurRad="38100" dist="38100" dir="2700000" algn="tl">
+                    <a:srgbClr val="000000">
+                      <a:alpha val="43137"/>
+                    </a:srgbClr>
+                  </a:outerShdw>
+                </a:effectLst>
+              </a:rPr>
+              <a:t>문</a:t>
+            </a:r>
+            <a:endParaRPr lang="en-US" altLang="ko-KR" sz="2400" b="1">
               <a:effectLst>
                 <a:outerShdw blurRad="38100" dist="38100" dir="2700000" algn="tl">
                   <a:srgbClr val="000000">
@@ -17355,30 +17059,56 @@
               </a:effectLst>
             </a:endParaRPr>
           </a:p>
-          <a:p>
-            <a:pPr marL="457200" indent="-457200">
-              <a:buFont typeface="Arial" panose="020B0604020202020204" pitchFamily="34" charset="0"/>
-              <a:buChar char="•"/>
-            </a:pPr>
-            <a:r>
-              <a:rPr lang="en-US" altLang="ko-KR" sz="3200">
-                <a:effectLst>
-                  <a:outerShdw blurRad="38100" dist="38100" dir="2700000" algn="tl">
-                    <a:srgbClr val="000000">
-                      <a:alpha val="43137"/>
-                    </a:srgbClr>
-                  </a:outerShdw>
-                </a:effectLst>
-              </a:rPr>
-              <a:t>boj.kr/1330</a:t>
-            </a:r>
-          </a:p>
-          <a:p>
-            <a:pPr marL="457200" indent="-457200">
-              <a:buFont typeface="Arial" panose="020B0604020202020204" pitchFamily="34" charset="0"/>
-              <a:buChar char="•"/>
-            </a:pPr>
-            <a:endParaRPr lang="en-US" altLang="ko-KR" sz="3200">
+        </p:txBody>
+      </p:sp>
+      <p:sp>
+        <p:nvSpPr>
+          <p:cNvPr id="8" name="TextBox 7">
+            <a:extLst>
+              <a:ext uri="{FF2B5EF4-FFF2-40B4-BE49-F238E27FC236}">
+                <a16:creationId xmlns:a16="http://schemas.microsoft.com/office/drawing/2014/main" id="{6F0D594C-B1B5-4E3F-9A71-ED5DC7DBEEB8}"/>
+              </a:ext>
+            </a:extLst>
+          </p:cNvPr>
+          <p:cNvSpPr txBox="1"/>
+          <p:nvPr/>
+        </p:nvSpPr>
+        <p:spPr>
+          <a:xfrm>
+            <a:off x="730922" y="2457821"/>
+            <a:ext cx="8554720" cy="4401205"/>
+          </a:xfrm>
+          <a:prstGeom prst="rect">
+            <a:avLst/>
+          </a:prstGeom>
+          <a:noFill/>
+          <a:ln>
+            <a:solidFill>
+              <a:schemeClr val="tx1"/>
+            </a:solidFill>
+          </a:ln>
+        </p:spPr>
+        <p:txBody>
+          <a:bodyPr wrap="square" rtlCol="0">
+            <a:spAutoFit/>
+          </a:bodyPr>
+          <a:lstStyle/>
+          <a:p>
+            <a:r>
+              <a:rPr lang="en-US" altLang="ko-KR" sz="1400">
+                <a:effectLst>
+                  <a:outerShdw blurRad="38100" dist="38100" dir="2700000" algn="tl">
+                    <a:srgbClr val="000000">
+                      <a:alpha val="43137"/>
+                    </a:srgbClr>
+                  </a:outerShdw>
+                </a:effectLst>
+              </a:rPr>
+              <a:t>#include &lt;stdio.h&gt;</a:t>
+            </a:r>
+          </a:p>
+          <a:p>
+            <a:endParaRPr lang="en-US" altLang="ko-KR" sz="1400">
               <a:effectLst>
                 <a:outerShdw blurRad="38100" dist="38100" dir="2700000" algn="tl">
                   <a:srgbClr val="000000">
@@ -17389,29 +17119,49 @@
             </a:endParaRPr>
           </a:p>
           <a:p>
-            <a:pPr marL="457200" indent="-457200">
-              <a:buFont typeface="Arial" panose="020B0604020202020204" pitchFamily="34" charset="0"/>
-              <a:buChar char="•"/>
-            </a:pPr>
-            <a:r>
-              <a:rPr lang="en-US" altLang="ko-KR" sz="3200">
-                <a:effectLst>
-                  <a:outerShdw blurRad="38100" dist="38100" dir="2700000" algn="tl">
-                    <a:srgbClr val="000000">
-                      <a:alpha val="43137"/>
-                    </a:srgbClr>
-                  </a:outerShdw>
-                </a:effectLst>
-              </a:rPr>
-              <a:t>boj.kr/2753</a:t>
-            </a:r>
-          </a:p>
-          <a:p>
-            <a:pPr marL="457200" indent="-457200">
-              <a:buFont typeface="Arial" panose="020B0604020202020204" pitchFamily="34" charset="0"/>
-              <a:buChar char="•"/>
-            </a:pPr>
-            <a:endParaRPr lang="en-US" altLang="ko-KR" sz="3200">
+            <a:r>
+              <a:rPr lang="en-US" altLang="ko-KR" sz="1400">
+                <a:effectLst>
+                  <a:outerShdw blurRad="38100" dist="38100" dir="2700000" algn="tl">
+                    <a:srgbClr val="000000">
+                      <a:alpha val="43137"/>
+                    </a:srgbClr>
+                  </a:outerShdw>
+                </a:effectLst>
+              </a:rPr>
+              <a:t>int main() {</a:t>
+            </a:r>
+          </a:p>
+          <a:p>
+            <a:r>
+              <a:rPr lang="en-US" altLang="ko-KR" sz="1400">
+                <a:effectLst>
+                  <a:outerShdw blurRad="38100" dist="38100" dir="2700000" algn="tl">
+                    <a:srgbClr val="000000">
+                      <a:alpha val="43137"/>
+                    </a:srgbClr>
+                  </a:outerShdw>
+                </a:effectLst>
+              </a:rPr>
+              <a:t>	int dayNumber;</a:t>
+            </a:r>
+          </a:p>
+          <a:p>
+            <a:r>
+              <a:rPr lang="en-US" altLang="ko-KR" sz="1400">
+                <a:effectLst>
+                  <a:outerShdw blurRad="38100" dist="38100" dir="2700000" algn="tl">
+                    <a:srgbClr val="000000">
+                      <a:alpha val="43137"/>
+                    </a:srgbClr>
+                  </a:outerShdw>
+                </a:effectLst>
+              </a:rPr>
+              <a:t>	scanf( “%d”, &amp;dayNumber );</a:t>
+            </a:r>
+          </a:p>
+          <a:p>
+            <a:endParaRPr lang="en-US" altLang="ko-KR" sz="1400">
               <a:effectLst>
                 <a:outerShdw blurRad="38100" dist="38100" dir="2700000" algn="tl">
                   <a:srgbClr val="000000">
@@ -17422,29 +17172,459 @@
             </a:endParaRPr>
           </a:p>
           <a:p>
-            <a:pPr marL="457200" indent="-457200">
-              <a:buFont typeface="Arial" panose="020B0604020202020204" pitchFamily="34" charset="0"/>
-              <a:buChar char="•"/>
-            </a:pPr>
-            <a:r>
-              <a:rPr lang="en-US" altLang="ko-KR" sz="3200">
-                <a:effectLst>
-                  <a:outerShdw blurRad="38100" dist="38100" dir="2700000" algn="tl">
-                    <a:srgbClr val="000000">
-                      <a:alpha val="43137"/>
-                    </a:srgbClr>
-                  </a:outerShdw>
-                </a:effectLst>
-              </a:rPr>
-              <a:t>boj.kr/14681 </a:t>
-            </a:r>
+            <a:r>
+              <a:rPr lang="en-US" altLang="ko-KR" sz="1400">
+                <a:effectLst>
+                  <a:outerShdw blurRad="38100" dist="38100" dir="2700000" algn="tl">
+                    <a:srgbClr val="000000">
+                      <a:alpha val="43137"/>
+                    </a:srgbClr>
+                  </a:outerShdw>
+                </a:effectLst>
+              </a:rPr>
+              <a:t>	switch( dayNumber ) {</a:t>
+            </a:r>
+          </a:p>
+          <a:p>
+            <a:r>
+              <a:rPr lang="en-US" altLang="ko-KR" sz="1400">
+                <a:effectLst>
+                  <a:outerShdw blurRad="38100" dist="38100" dir="2700000" algn="tl">
+                    <a:srgbClr val="000000">
+                      <a:alpha val="43137"/>
+                    </a:srgbClr>
+                  </a:outerShdw>
+                </a:effectLst>
+              </a:rPr>
+              <a:t>		case 1 :</a:t>
+            </a:r>
+          </a:p>
+          <a:p>
+            <a:r>
+              <a:rPr lang="en-US" altLang="ko-KR" sz="1400">
+                <a:effectLst>
+                  <a:outerShdw blurRad="38100" dist="38100" dir="2700000" algn="tl">
+                    <a:srgbClr val="000000">
+                      <a:alpha val="43137"/>
+                    </a:srgbClr>
+                  </a:outerShdw>
+                </a:effectLst>
+              </a:rPr>
+              <a:t>			printf( “</a:t>
+            </a:r>
+            <a:r>
+              <a:rPr lang="ko-KR" altLang="en-US" sz="1400">
+                <a:effectLst>
+                  <a:outerShdw blurRad="38100" dist="38100" dir="2700000" algn="tl">
+                    <a:srgbClr val="000000">
+                      <a:alpha val="43137"/>
+                    </a:srgbClr>
+                  </a:outerShdw>
+                </a:effectLst>
+              </a:rPr>
+              <a:t>월요일</a:t>
+            </a:r>
+            <a:r>
+              <a:rPr lang="en-US" altLang="ko-KR" sz="1400">
+                <a:effectLst>
+                  <a:outerShdw blurRad="38100" dist="38100" dir="2700000" algn="tl">
+                    <a:srgbClr val="000000">
+                      <a:alpha val="43137"/>
+                    </a:srgbClr>
+                  </a:outerShdw>
+                </a:effectLst>
+              </a:rPr>
+              <a:t>\n” );</a:t>
+            </a:r>
+          </a:p>
+          <a:p>
+            <a:r>
+              <a:rPr lang="en-US" altLang="ko-KR" sz="1400">
+                <a:effectLst>
+                  <a:outerShdw blurRad="38100" dist="38100" dir="2700000" algn="tl">
+                    <a:srgbClr val="000000">
+                      <a:alpha val="43137"/>
+                    </a:srgbClr>
+                  </a:outerShdw>
+                </a:effectLst>
+              </a:rPr>
+              <a:t>			break;</a:t>
+            </a:r>
+          </a:p>
+          <a:p>
+            <a:r>
+              <a:rPr lang="en-US" altLang="ko-KR" sz="1400">
+                <a:effectLst>
+                  <a:outerShdw blurRad="38100" dist="38100" dir="2700000" algn="tl">
+                    <a:srgbClr val="000000">
+                      <a:alpha val="43137"/>
+                    </a:srgbClr>
+                  </a:outerShdw>
+                </a:effectLst>
+              </a:rPr>
+              <a:t>		case 2 :</a:t>
+            </a:r>
+          </a:p>
+          <a:p>
+            <a:r>
+              <a:rPr lang="en-US" altLang="ko-KR" sz="1400">
+                <a:effectLst>
+                  <a:outerShdw blurRad="38100" dist="38100" dir="2700000" algn="tl">
+                    <a:srgbClr val="000000">
+                      <a:alpha val="43137"/>
+                    </a:srgbClr>
+                  </a:outerShdw>
+                </a:effectLst>
+              </a:rPr>
+              <a:t>			printf( “</a:t>
+            </a:r>
+            <a:r>
+              <a:rPr lang="ko-KR" altLang="en-US" sz="1400">
+                <a:effectLst>
+                  <a:outerShdw blurRad="38100" dist="38100" dir="2700000" algn="tl">
+                    <a:srgbClr val="000000">
+                      <a:alpha val="43137"/>
+                    </a:srgbClr>
+                  </a:outerShdw>
+                </a:effectLst>
+              </a:rPr>
+              <a:t>화요일</a:t>
+            </a:r>
+            <a:r>
+              <a:rPr lang="en-US" altLang="ko-KR" sz="1400">
+                <a:effectLst>
+                  <a:outerShdw blurRad="38100" dist="38100" dir="2700000" algn="tl">
+                    <a:srgbClr val="000000">
+                      <a:alpha val="43137"/>
+                    </a:srgbClr>
+                  </a:outerShdw>
+                </a:effectLst>
+              </a:rPr>
+              <a:t>\n” );</a:t>
+            </a:r>
+          </a:p>
+          <a:p>
+            <a:r>
+              <a:rPr lang="en-US" altLang="ko-KR" sz="1400">
+                <a:effectLst>
+                  <a:outerShdw blurRad="38100" dist="38100" dir="2700000" algn="tl">
+                    <a:srgbClr val="000000">
+                      <a:alpha val="43137"/>
+                    </a:srgbClr>
+                  </a:outerShdw>
+                </a:effectLst>
+              </a:rPr>
+              <a:t>			break;</a:t>
+            </a:r>
+          </a:p>
+          <a:p>
+            <a:r>
+              <a:rPr lang="en-US" altLang="ko-KR" sz="1400">
+                <a:effectLst>
+                  <a:outerShdw blurRad="38100" dist="38100" dir="2700000" algn="tl">
+                    <a:srgbClr val="000000">
+                      <a:alpha val="43137"/>
+                    </a:srgbClr>
+                  </a:outerShdw>
+                </a:effectLst>
+              </a:rPr>
+              <a:t>		...</a:t>
+            </a:r>
+          </a:p>
+          <a:p>
+            <a:r>
+              <a:rPr lang="en-US" altLang="ko-KR" sz="1400">
+                <a:effectLst>
+                  <a:outerShdw blurRad="38100" dist="38100" dir="2700000" algn="tl">
+                    <a:srgbClr val="000000">
+                      <a:alpha val="43137"/>
+                    </a:srgbClr>
+                  </a:outerShdw>
+                </a:effectLst>
+              </a:rPr>
+              <a:t>		default :</a:t>
+            </a:r>
+          </a:p>
+          <a:p>
+            <a:r>
+              <a:rPr lang="en-US" altLang="ko-KR" sz="1400">
+                <a:effectLst>
+                  <a:outerShdw blurRad="38100" dist="38100" dir="2700000" algn="tl">
+                    <a:srgbClr val="000000">
+                      <a:alpha val="43137"/>
+                    </a:srgbClr>
+                  </a:outerShdw>
+                </a:effectLst>
+              </a:rPr>
+              <a:t>			printf(“</a:t>
+            </a:r>
+            <a:r>
+              <a:rPr lang="ko-KR" altLang="en-US" sz="1400">
+                <a:effectLst>
+                  <a:outerShdw blurRad="38100" dist="38100" dir="2700000" algn="tl">
+                    <a:srgbClr val="000000">
+                      <a:alpha val="43137"/>
+                    </a:srgbClr>
+                  </a:outerShdw>
+                </a:effectLst>
+              </a:rPr>
+              <a:t>숫자에 대응되는 요일이 없습니다</a:t>
+            </a:r>
+            <a:r>
+              <a:rPr lang="en-US" altLang="ko-KR" sz="1400">
+                <a:effectLst>
+                  <a:outerShdw blurRad="38100" dist="38100" dir="2700000" algn="tl">
+                    <a:srgbClr val="000000">
+                      <a:alpha val="43137"/>
+                    </a:srgbClr>
+                  </a:outerShdw>
+                </a:effectLst>
+              </a:rPr>
+              <a:t>!\n”);</a:t>
+            </a:r>
+          </a:p>
+          <a:p>
+            <a:r>
+              <a:rPr lang="en-US" altLang="ko-KR" sz="1400">
+                <a:effectLst>
+                  <a:outerShdw blurRad="38100" dist="38100" dir="2700000" algn="tl">
+                    <a:srgbClr val="000000">
+                      <a:alpha val="43137"/>
+                    </a:srgbClr>
+                  </a:outerShdw>
+                </a:effectLst>
+              </a:rPr>
+              <a:t>			break;</a:t>
+            </a:r>
+          </a:p>
+          <a:p>
+            <a:r>
+              <a:rPr lang="en-US" altLang="ko-KR" sz="1400">
+                <a:effectLst>
+                  <a:outerShdw blurRad="38100" dist="38100" dir="2700000" algn="tl">
+                    <a:srgbClr val="000000">
+                      <a:alpha val="43137"/>
+                    </a:srgbClr>
+                  </a:outerShdw>
+                </a:effectLst>
+              </a:rPr>
+              <a:t>	}</a:t>
+            </a:r>
+          </a:p>
+          <a:p>
+            <a:r>
+              <a:rPr lang="en-US" altLang="ko-KR" sz="1400">
+                <a:effectLst>
+                  <a:outerShdw blurRad="38100" dist="38100" dir="2700000" algn="tl">
+                    <a:srgbClr val="000000">
+                      <a:alpha val="43137"/>
+                    </a:srgbClr>
+                  </a:outerShdw>
+                </a:effectLst>
+              </a:rPr>
+              <a:t>	return 0;</a:t>
+            </a:r>
+          </a:p>
+          <a:p>
+            <a:r>
+              <a:rPr lang="en-US" altLang="ko-KR" sz="1400">
+                <a:effectLst>
+                  <a:outerShdw blurRad="38100" dist="38100" dir="2700000" algn="tl">
+                    <a:srgbClr val="000000">
+                      <a:alpha val="43137"/>
+                    </a:srgbClr>
+                  </a:outerShdw>
+                </a:effectLst>
+              </a:rPr>
+              <a:t>}</a:t>
+            </a:r>
+          </a:p>
+        </p:txBody>
+      </p:sp>
+      <p:sp>
+        <p:nvSpPr>
+          <p:cNvPr id="11" name="TextBox 10">
+            <a:extLst>
+              <a:ext uri="{FF2B5EF4-FFF2-40B4-BE49-F238E27FC236}">
+                <a16:creationId xmlns:a16="http://schemas.microsoft.com/office/drawing/2014/main" id="{E1B4500A-9E81-4018-A45E-64D52AB8C031}"/>
+              </a:ext>
+            </a:extLst>
+          </p:cNvPr>
+          <p:cNvSpPr txBox="1"/>
+          <p:nvPr/>
+        </p:nvSpPr>
+        <p:spPr>
+          <a:xfrm>
+            <a:off x="7792719" y="6074196"/>
+            <a:ext cx="5051313" cy="707886"/>
+          </a:xfrm>
+          <a:prstGeom prst="rect">
+            <a:avLst/>
+          </a:prstGeom>
+          <a:noFill/>
+        </p:spPr>
+        <p:txBody>
+          <a:bodyPr wrap="square" rtlCol="0">
+            <a:spAutoFit/>
+          </a:bodyPr>
+          <a:lstStyle/>
+          <a:p>
+            <a:r>
+              <a:rPr lang="en-US" altLang="ko-KR" sz="2000">
+                <a:solidFill>
+                  <a:srgbClr val="FF0000"/>
+                </a:solidFill>
+                <a:effectLst>
+                  <a:outerShdw blurRad="38100" dist="38100" dir="2700000" algn="tl">
+                    <a:srgbClr val="000000">
+                      <a:alpha val="43137"/>
+                    </a:srgbClr>
+                  </a:outerShdw>
+                </a:effectLst>
+              </a:rPr>
+              <a:t>Q) </a:t>
+            </a:r>
+            <a:r>
+              <a:rPr lang="ko-KR" altLang="en-US" sz="2000">
+                <a:solidFill>
+                  <a:srgbClr val="FF0000"/>
+                </a:solidFill>
+                <a:effectLst>
+                  <a:outerShdw blurRad="38100" dist="38100" dir="2700000" algn="tl">
+                    <a:srgbClr val="000000">
+                      <a:alpha val="43137"/>
+                    </a:srgbClr>
+                  </a:outerShdw>
+                </a:effectLst>
+              </a:rPr>
+              <a:t>왜 </a:t>
+            </a:r>
+            <a:r>
+              <a:rPr lang="en-US" altLang="ko-KR" sz="2000">
+                <a:solidFill>
+                  <a:srgbClr val="FF0000"/>
+                </a:solidFill>
+                <a:effectLst>
+                  <a:outerShdw blurRad="38100" dist="38100" dir="2700000" algn="tl">
+                    <a:srgbClr val="000000">
+                      <a:alpha val="43137"/>
+                    </a:srgbClr>
+                  </a:outerShdw>
+                </a:effectLst>
+              </a:rPr>
+              <a:t>case</a:t>
+            </a:r>
+            <a:r>
+              <a:rPr lang="ko-KR" altLang="en-US" sz="2000">
+                <a:solidFill>
+                  <a:srgbClr val="FF0000"/>
+                </a:solidFill>
+                <a:effectLst>
+                  <a:outerShdw blurRad="38100" dist="38100" dir="2700000" algn="tl">
+                    <a:srgbClr val="000000">
+                      <a:alpha val="43137"/>
+                    </a:srgbClr>
+                  </a:outerShdw>
+                </a:effectLst>
+              </a:rPr>
+              <a:t>마다 </a:t>
+            </a:r>
+            <a:r>
+              <a:rPr lang="en-US" altLang="ko-KR" sz="2000">
+                <a:solidFill>
+                  <a:srgbClr val="FF0000"/>
+                </a:solidFill>
+                <a:effectLst>
+                  <a:outerShdw blurRad="38100" dist="38100" dir="2700000" algn="tl">
+                    <a:srgbClr val="000000">
+                      <a:alpha val="43137"/>
+                    </a:srgbClr>
+                  </a:outerShdw>
+                </a:effectLst>
+              </a:rPr>
+              <a:t>break</a:t>
+            </a:r>
+            <a:r>
+              <a:rPr lang="ko-KR" altLang="en-US" sz="2000">
+                <a:solidFill>
+                  <a:srgbClr val="FF0000"/>
+                </a:solidFill>
+                <a:effectLst>
+                  <a:outerShdw blurRad="38100" dist="38100" dir="2700000" algn="tl">
+                    <a:srgbClr val="000000">
+                      <a:alpha val="43137"/>
+                    </a:srgbClr>
+                  </a:outerShdw>
+                </a:effectLst>
+              </a:rPr>
+              <a:t>를 넣는거죠</a:t>
+            </a:r>
+            <a:r>
+              <a:rPr lang="en-US" altLang="ko-KR" sz="2000">
+                <a:solidFill>
+                  <a:srgbClr val="FF0000"/>
+                </a:solidFill>
+                <a:effectLst>
+                  <a:outerShdw blurRad="38100" dist="38100" dir="2700000" algn="tl">
+                    <a:srgbClr val="000000">
+                      <a:alpha val="43137"/>
+                    </a:srgbClr>
+                  </a:outerShdw>
+                </a:effectLst>
+              </a:rPr>
+              <a:t>?</a:t>
+            </a:r>
+          </a:p>
+          <a:p>
+            <a:r>
+              <a:rPr lang="en-US" altLang="ko-KR" sz="2000">
+                <a:solidFill>
+                  <a:srgbClr val="FF0000"/>
+                </a:solidFill>
+                <a:effectLst>
+                  <a:outerShdw blurRad="38100" dist="38100" dir="2700000" algn="tl">
+                    <a:srgbClr val="000000">
+                      <a:alpha val="43137"/>
+                    </a:srgbClr>
+                  </a:outerShdw>
+                </a:effectLst>
+              </a:rPr>
+              <a:t>A) </a:t>
+            </a:r>
+            <a:r>
+              <a:rPr lang="ko-KR" altLang="en-US" sz="2000">
+                <a:solidFill>
+                  <a:srgbClr val="FF0000"/>
+                </a:solidFill>
+                <a:effectLst>
+                  <a:outerShdw blurRad="38100" dist="38100" dir="2700000" algn="tl">
+                    <a:srgbClr val="000000">
+                      <a:alpha val="43137"/>
+                    </a:srgbClr>
+                  </a:outerShdw>
+                </a:effectLst>
+              </a:rPr>
+              <a:t>어디 한번 빼고 돌려보세요</a:t>
+            </a:r>
+            <a:endParaRPr lang="en-US" altLang="ko-KR" sz="2000">
+              <a:solidFill>
+                <a:srgbClr val="FF0000"/>
+              </a:solidFill>
+              <a:effectLst>
+                <a:outerShdw blurRad="38100" dist="38100" dir="2700000" algn="tl">
+                  <a:srgbClr val="000000">
+                    <a:alpha val="43137"/>
+                  </a:srgbClr>
+                </a:outerShdw>
+              </a:effectLst>
+            </a:endParaRPr>
           </a:p>
         </p:txBody>
       </p:sp>
     </p:spTree>
     <p:extLst>
       <p:ext uri="{BB962C8B-B14F-4D97-AF65-F5344CB8AC3E}">
-        <p14:creationId xmlns:p14="http://schemas.microsoft.com/office/powerpoint/2010/main" val="874720454"/>
+        <p14:creationId xmlns:p14="http://schemas.microsoft.com/office/powerpoint/2010/main" val="2337332516"/>
       </p:ext>
     </p:extLst>
   </p:cSld>
@@ -17454,7 +17634,7 @@
 </p:sld>
 </file>
 
-<file path=ppt/slides/slide3.xml><?xml version="1.0" encoding="utf-8"?>
+<file path=ppt/slides/slide29.xml><?xml version="1.0" encoding="utf-8"?>
 <p:sld xmlns:a="http://schemas.openxmlformats.org/drawingml/2006/main" xmlns:r="http://schemas.openxmlformats.org/officeDocument/2006/relationships" xmlns:p="http://schemas.openxmlformats.org/presentationml/2006/main">
   <p:cSld>
     <p:spTree>
@@ -17473,10 +17653,10 @@
       </p:grpSpPr>
       <p:pic>
         <p:nvPicPr>
-          <p:cNvPr id="10" name="그림 9" descr="화살이(가) 표시된 사진&#10;&#10;자동 생성된 설명">
-            <a:extLst>
-              <a:ext uri="{FF2B5EF4-FFF2-40B4-BE49-F238E27FC236}">
-                <a16:creationId xmlns:a16="http://schemas.microsoft.com/office/drawing/2014/main" id="{5692FF39-5BFA-4330-A7F4-BF79F01322B2}"/>
+          <p:cNvPr id="6" name="그림 5" descr="화살이(가) 표시된 사진&#10;&#10;자동 생성된 설명">
+            <a:extLst>
+              <a:ext uri="{FF2B5EF4-FFF2-40B4-BE49-F238E27FC236}">
+                <a16:creationId xmlns:a16="http://schemas.microsoft.com/office/drawing/2014/main" id="{6FDCA1A6-8178-42B9-A6B3-2C3E2272BCF1}"/>
               </a:ext>
             </a:extLst>
           </p:cNvPr>
@@ -17538,17 +17718,26 @@
           <a:p>
             <a:pPr algn="l"/>
             <a:r>
-              <a:rPr lang="ko-KR" altLang="en-US" b="1">
-                <a:effectLst>
-                  <a:outerShdw blurRad="38100" dist="38100" dir="2700000" algn="tl">
-                    <a:srgbClr val="000000">
-                      <a:alpha val="43137"/>
-                    </a:srgbClr>
-                  </a:outerShdw>
-                </a:effectLst>
-              </a:rPr>
-              <a:t>오리엔테이션</a:t>
-            </a:r>
+              <a:rPr lang="ko-KR" altLang="en-US" b="1" err="1">
+                <a:effectLst>
+                  <a:outerShdw blurRad="38100" dist="38100" dir="2700000" algn="tl">
+                    <a:srgbClr val="000000">
+                      <a:alpha val="43137"/>
+                    </a:srgbClr>
+                  </a:outerShdw>
+                </a:effectLst>
+              </a:rPr>
+              <a:t>조건문</a:t>
+            </a:r>
+            <a:endParaRPr lang="ko-KR" altLang="en-US" b="1">
+              <a:effectLst>
+                <a:outerShdw blurRad="38100" dist="38100" dir="2700000" algn="tl">
+                  <a:srgbClr val="000000">
+                    <a:alpha val="43137"/>
+                  </a:srgbClr>
+                </a:outerShdw>
+              </a:effectLst>
+            </a:endParaRPr>
           </a:p>
         </p:txBody>
       </p:sp>
@@ -17649,6 +17838,681 @@
           </a:fontRef>
         </p:style>
       </p:cxnSp>
+      <p:sp>
+        <p:nvSpPr>
+          <p:cNvPr id="9" name="TextBox 8">
+            <a:extLst>
+              <a:ext uri="{FF2B5EF4-FFF2-40B4-BE49-F238E27FC236}">
+                <a16:creationId xmlns:a16="http://schemas.microsoft.com/office/drawing/2014/main" id="{D1A4CC41-F4C6-4BBB-BED5-C25F7B263FDF}"/>
+              </a:ext>
+            </a:extLst>
+          </p:cNvPr>
+          <p:cNvSpPr txBox="1"/>
+          <p:nvPr/>
+        </p:nvSpPr>
+        <p:spPr>
+          <a:xfrm>
+            <a:off x="730922" y="1941546"/>
+            <a:ext cx="9587454" cy="461665"/>
+          </a:xfrm>
+          <a:prstGeom prst="rect">
+            <a:avLst/>
+          </a:prstGeom>
+          <a:noFill/>
+        </p:spPr>
+        <p:txBody>
+          <a:bodyPr wrap="square" rtlCol="0">
+            <a:spAutoFit/>
+          </a:bodyPr>
+          <a:lstStyle/>
+          <a:p>
+            <a:r>
+              <a:rPr lang="ko-KR" altLang="en-US" sz="2400">
+                <a:effectLst>
+                  <a:outerShdw blurRad="38100" dist="38100" dir="2700000" algn="tl">
+                    <a:srgbClr val="000000">
+                      <a:alpha val="43137"/>
+                    </a:srgbClr>
+                  </a:outerShdw>
+                </a:effectLst>
+              </a:rPr>
+              <a:t>변수 </a:t>
+            </a:r>
+            <a:r>
+              <a:rPr lang="en-US" altLang="ko-KR" sz="2400">
+                <a:effectLst>
+                  <a:outerShdw blurRad="38100" dist="38100" dir="2700000" algn="tl">
+                    <a:srgbClr val="000000">
+                      <a:alpha val="43137"/>
+                    </a:srgbClr>
+                  </a:outerShdw>
+                </a:effectLst>
+              </a:rPr>
+              <a:t>= (</a:t>
+            </a:r>
+            <a:r>
+              <a:rPr lang="ko-KR" altLang="en-US" sz="2400">
+                <a:effectLst>
+                  <a:outerShdw blurRad="38100" dist="38100" dir="2700000" algn="tl">
+                    <a:srgbClr val="000000">
+                      <a:alpha val="43137"/>
+                    </a:srgbClr>
+                  </a:outerShdw>
+                </a:effectLst>
+              </a:rPr>
+              <a:t>조건</a:t>
+            </a:r>
+            <a:r>
+              <a:rPr lang="en-US" altLang="ko-KR" sz="2400">
+                <a:effectLst>
+                  <a:outerShdw blurRad="38100" dist="38100" dir="2700000" algn="tl">
+                    <a:srgbClr val="000000">
+                      <a:alpha val="43137"/>
+                    </a:srgbClr>
+                  </a:outerShdw>
+                </a:effectLst>
+              </a:rPr>
+              <a:t>) ? (</a:t>
+            </a:r>
+            <a:r>
+              <a:rPr lang="ko-KR" altLang="en-US" sz="2400">
+                <a:effectLst>
+                  <a:outerShdw blurRad="38100" dist="38100" dir="2700000" algn="tl">
+                    <a:srgbClr val="000000">
+                      <a:alpha val="43137"/>
+                    </a:srgbClr>
+                  </a:outerShdw>
+                </a:effectLst>
+              </a:rPr>
+              <a:t>참일 때 대입할 값</a:t>
+            </a:r>
+            <a:r>
+              <a:rPr lang="en-US" altLang="ko-KR" sz="2400">
+                <a:effectLst>
+                  <a:outerShdw blurRad="38100" dist="38100" dir="2700000" algn="tl">
+                    <a:srgbClr val="000000">
+                      <a:alpha val="43137"/>
+                    </a:srgbClr>
+                  </a:outerShdw>
+                </a:effectLst>
+              </a:rPr>
+              <a:t>) : (</a:t>
+            </a:r>
+            <a:r>
+              <a:rPr lang="ko-KR" altLang="en-US" sz="2400">
+                <a:effectLst>
+                  <a:outerShdw blurRad="38100" dist="38100" dir="2700000" algn="tl">
+                    <a:srgbClr val="000000">
+                      <a:alpha val="43137"/>
+                    </a:srgbClr>
+                  </a:outerShdw>
+                </a:effectLst>
+              </a:rPr>
+              <a:t>거짓일 때 대입할 값</a:t>
+            </a:r>
+            <a:r>
+              <a:rPr lang="en-US" altLang="ko-KR" sz="2400">
+                <a:effectLst>
+                  <a:outerShdw blurRad="38100" dist="38100" dir="2700000" algn="tl">
+                    <a:srgbClr val="000000">
+                      <a:alpha val="43137"/>
+                    </a:srgbClr>
+                  </a:outerShdw>
+                </a:effectLst>
+              </a:rPr>
+              <a:t>)</a:t>
+            </a:r>
+          </a:p>
+        </p:txBody>
+      </p:sp>
+      <p:sp>
+        <p:nvSpPr>
+          <p:cNvPr id="10" name="TextBox 9">
+            <a:extLst>
+              <a:ext uri="{FF2B5EF4-FFF2-40B4-BE49-F238E27FC236}">
+                <a16:creationId xmlns:a16="http://schemas.microsoft.com/office/drawing/2014/main" id="{3EE6770A-4D44-463D-B5DA-FC6E4713DF63}"/>
+              </a:ext>
+            </a:extLst>
+          </p:cNvPr>
+          <p:cNvSpPr txBox="1"/>
+          <p:nvPr/>
+        </p:nvSpPr>
+        <p:spPr>
+          <a:xfrm>
+            <a:off x="301812" y="1347761"/>
+            <a:ext cx="7700955" cy="461665"/>
+          </a:xfrm>
+          <a:prstGeom prst="rect">
+            <a:avLst/>
+          </a:prstGeom>
+          <a:noFill/>
+        </p:spPr>
+        <p:txBody>
+          <a:bodyPr wrap="square" rtlCol="0">
+            <a:spAutoFit/>
+          </a:bodyPr>
+          <a:lstStyle/>
+          <a:p>
+            <a:pPr marL="457200" indent="-457200">
+              <a:buFont typeface="Arial" panose="020B0604020202020204" pitchFamily="34" charset="0"/>
+              <a:buChar char="•"/>
+            </a:pPr>
+            <a:r>
+              <a:rPr lang="ko-KR" altLang="en-US" sz="2400" b="1">
+                <a:effectLst>
+                  <a:outerShdw blurRad="38100" dist="38100" dir="2700000" algn="tl">
+                    <a:srgbClr val="000000">
+                      <a:alpha val="43137"/>
+                    </a:srgbClr>
+                  </a:outerShdw>
+                </a:effectLst>
+              </a:rPr>
+              <a:t>삼항연산자</a:t>
+            </a:r>
+            <a:endParaRPr lang="en-US" altLang="ko-KR" sz="2400" b="1">
+              <a:effectLst>
+                <a:outerShdw blurRad="38100" dist="38100" dir="2700000" algn="tl">
+                  <a:srgbClr val="000000">
+                    <a:alpha val="43137"/>
+                  </a:srgbClr>
+                </a:outerShdw>
+              </a:effectLst>
+            </a:endParaRPr>
+          </a:p>
+        </p:txBody>
+      </p:sp>
+      <p:sp>
+        <p:nvSpPr>
+          <p:cNvPr id="12" name="TextBox 11">
+            <a:extLst>
+              <a:ext uri="{FF2B5EF4-FFF2-40B4-BE49-F238E27FC236}">
+                <a16:creationId xmlns:a16="http://schemas.microsoft.com/office/drawing/2014/main" id="{32A29064-C04A-4796-90A1-59900D3EC516}"/>
+              </a:ext>
+            </a:extLst>
+          </p:cNvPr>
+          <p:cNvSpPr txBox="1"/>
+          <p:nvPr/>
+        </p:nvSpPr>
+        <p:spPr>
+          <a:xfrm>
+            <a:off x="730922" y="2457821"/>
+            <a:ext cx="8554720" cy="1477328"/>
+          </a:xfrm>
+          <a:prstGeom prst="rect">
+            <a:avLst/>
+          </a:prstGeom>
+          <a:noFill/>
+          <a:ln>
+            <a:solidFill>
+              <a:schemeClr val="tx1"/>
+            </a:solidFill>
+          </a:ln>
+        </p:spPr>
+        <p:txBody>
+          <a:bodyPr wrap="square" rtlCol="0">
+            <a:spAutoFit/>
+          </a:bodyPr>
+          <a:lstStyle/>
+          <a:p>
+            <a:r>
+              <a:rPr lang="en-US" altLang="ko-KR">
+                <a:effectLst>
+                  <a:outerShdw blurRad="38100" dist="38100" dir="2700000" algn="tl">
+                    <a:srgbClr val="000000">
+                      <a:alpha val="43137"/>
+                    </a:srgbClr>
+                  </a:outerShdw>
+                </a:effectLst>
+              </a:rPr>
+              <a:t>double score;</a:t>
+            </a:r>
+          </a:p>
+          <a:p>
+            <a:r>
+              <a:rPr lang="en-US" altLang="ko-KR">
+                <a:effectLst>
+                  <a:outerShdw blurRad="38100" dist="38100" dir="2700000" algn="tl">
+                    <a:srgbClr val="000000">
+                      <a:alpha val="43137"/>
+                    </a:srgbClr>
+                  </a:outerShdw>
+                </a:effectLst>
+              </a:rPr>
+              <a:t>char goodOrBad;</a:t>
+            </a:r>
+          </a:p>
+          <a:p>
+            <a:endParaRPr lang="en-US" altLang="ko-KR">
+              <a:effectLst>
+                <a:outerShdw blurRad="38100" dist="38100" dir="2700000" algn="tl">
+                  <a:srgbClr val="000000">
+                    <a:alpha val="43137"/>
+                  </a:srgbClr>
+                </a:outerShdw>
+              </a:effectLst>
+            </a:endParaRPr>
+          </a:p>
+          <a:p>
+            <a:r>
+              <a:rPr lang="en-US" altLang="ko-KR">
+                <a:effectLst>
+                  <a:outerShdw blurRad="38100" dist="38100" dir="2700000" algn="tl">
+                    <a:srgbClr val="000000">
+                      <a:alpha val="43137"/>
+                    </a:srgbClr>
+                  </a:outerShdw>
+                </a:effectLst>
+              </a:rPr>
+              <a:t>scanf( “%f”, &amp;score );</a:t>
+            </a:r>
+          </a:p>
+          <a:p>
+            <a:r>
+              <a:rPr lang="en-US" altLang="ko-KR">
+                <a:effectLst>
+                  <a:outerShdw blurRad="38100" dist="38100" dir="2700000" algn="tl">
+                    <a:srgbClr val="000000">
+                      <a:alpha val="43137"/>
+                    </a:srgbClr>
+                  </a:outerShdw>
+                </a:effectLst>
+              </a:rPr>
+              <a:t>goodOrBad = ( score &gt; 2.5) ? ‘g’ : ‘b’;</a:t>
+            </a:r>
+          </a:p>
+        </p:txBody>
+      </p:sp>
+      <p:sp>
+        <p:nvSpPr>
+          <p:cNvPr id="13" name="TextBox 12">
+            <a:extLst>
+              <a:ext uri="{FF2B5EF4-FFF2-40B4-BE49-F238E27FC236}">
+                <a16:creationId xmlns:a16="http://schemas.microsoft.com/office/drawing/2014/main" id="{593104F8-2EFE-42D3-9120-BF76D3AB2E19}"/>
+              </a:ext>
+            </a:extLst>
+          </p:cNvPr>
+          <p:cNvSpPr txBox="1"/>
+          <p:nvPr/>
+        </p:nvSpPr>
+        <p:spPr>
+          <a:xfrm>
+            <a:off x="730922" y="4057217"/>
+            <a:ext cx="9587454" cy="830997"/>
+          </a:xfrm>
+          <a:prstGeom prst="rect">
+            <a:avLst/>
+          </a:prstGeom>
+          <a:noFill/>
+        </p:spPr>
+        <p:txBody>
+          <a:bodyPr wrap="square" rtlCol="0">
+            <a:spAutoFit/>
+          </a:bodyPr>
+          <a:lstStyle/>
+          <a:p>
+            <a:r>
+              <a:rPr lang="ko-KR" altLang="en-US" sz="2400">
+                <a:effectLst>
+                  <a:outerShdw blurRad="38100" dist="38100" dir="2700000" algn="tl">
+                    <a:srgbClr val="000000">
+                      <a:alpha val="43137"/>
+                    </a:srgbClr>
+                  </a:outerShdw>
+                </a:effectLst>
+              </a:rPr>
+              <a:t>학점</a:t>
+            </a:r>
+            <a:r>
+              <a:rPr lang="en-US" altLang="ko-KR" sz="2400">
+                <a:effectLst>
+                  <a:outerShdw blurRad="38100" dist="38100" dir="2700000" algn="tl">
+                    <a:srgbClr val="000000">
+                      <a:alpha val="43137"/>
+                    </a:srgbClr>
+                  </a:outerShdw>
+                </a:effectLst>
+              </a:rPr>
+              <a:t>(score)</a:t>
+            </a:r>
+            <a:r>
+              <a:rPr lang="ko-KR" altLang="en-US" sz="2400">
+                <a:effectLst>
+                  <a:outerShdw blurRad="38100" dist="38100" dir="2700000" algn="tl">
+                    <a:srgbClr val="000000">
+                      <a:alpha val="43137"/>
+                    </a:srgbClr>
+                  </a:outerShdw>
+                </a:effectLst>
+              </a:rPr>
+              <a:t>가 </a:t>
+            </a:r>
+            <a:r>
+              <a:rPr lang="en-US" altLang="ko-KR" sz="2400">
+                <a:effectLst>
+                  <a:outerShdw blurRad="38100" dist="38100" dir="2700000" algn="tl">
+                    <a:srgbClr val="000000">
+                      <a:alpha val="43137"/>
+                    </a:srgbClr>
+                  </a:outerShdw>
+                </a:effectLst>
+              </a:rPr>
+              <a:t>2.5 </a:t>
+            </a:r>
+            <a:r>
+              <a:rPr lang="ko-KR" altLang="en-US" sz="2400">
+                <a:effectLst>
+                  <a:outerShdw blurRad="38100" dist="38100" dir="2700000" algn="tl">
+                    <a:srgbClr val="000000">
+                      <a:alpha val="43137"/>
+                    </a:srgbClr>
+                  </a:outerShdw>
+                </a:effectLst>
+              </a:rPr>
+              <a:t>보다 크면 </a:t>
+            </a:r>
+            <a:r>
+              <a:rPr lang="en-US" altLang="ko-KR" sz="2400">
+                <a:effectLst>
+                  <a:outerShdw blurRad="38100" dist="38100" dir="2700000" algn="tl">
+                    <a:srgbClr val="000000">
+                      <a:alpha val="43137"/>
+                    </a:srgbClr>
+                  </a:outerShdw>
+                </a:effectLst>
+              </a:rPr>
+              <a:t>char goodOrBad </a:t>
+            </a:r>
+            <a:r>
+              <a:rPr lang="ko-KR" altLang="en-US" sz="2400">
+                <a:effectLst>
+                  <a:outerShdw blurRad="38100" dist="38100" dir="2700000" algn="tl">
+                    <a:srgbClr val="000000">
+                      <a:alpha val="43137"/>
+                    </a:srgbClr>
+                  </a:outerShdw>
+                </a:effectLst>
+              </a:rPr>
+              <a:t>변수에</a:t>
+            </a:r>
+            <a:endParaRPr lang="en-US" altLang="ko-KR" sz="2400">
+              <a:effectLst>
+                <a:outerShdw blurRad="38100" dist="38100" dir="2700000" algn="tl">
+                  <a:srgbClr val="000000">
+                    <a:alpha val="43137"/>
+                  </a:srgbClr>
+                </a:outerShdw>
+              </a:effectLst>
+            </a:endParaRPr>
+          </a:p>
+          <a:p>
+            <a:r>
+              <a:rPr lang="en-US" altLang="ko-KR" sz="2400">
+                <a:effectLst>
+                  <a:outerShdw blurRad="38100" dist="38100" dir="2700000" algn="tl">
+                    <a:srgbClr val="000000">
+                      <a:alpha val="43137"/>
+                    </a:srgbClr>
+                  </a:outerShdw>
+                </a:effectLst>
+              </a:rPr>
+              <a:t>g(good), </a:t>
+            </a:r>
+            <a:r>
+              <a:rPr lang="ko-KR" altLang="en-US" sz="2400">
+                <a:effectLst>
+                  <a:outerShdw blurRad="38100" dist="38100" dir="2700000" algn="tl">
+                    <a:srgbClr val="000000">
+                      <a:alpha val="43137"/>
+                    </a:srgbClr>
+                  </a:outerShdw>
+                </a:effectLst>
+              </a:rPr>
+              <a:t>낮으면 </a:t>
+            </a:r>
+            <a:r>
+              <a:rPr lang="en-US" altLang="ko-KR" sz="2400">
+                <a:effectLst>
+                  <a:outerShdw blurRad="38100" dist="38100" dir="2700000" algn="tl">
+                    <a:srgbClr val="000000">
+                      <a:alpha val="43137"/>
+                    </a:srgbClr>
+                  </a:outerShdw>
+                </a:effectLst>
+              </a:rPr>
+              <a:t>b(bad)</a:t>
+            </a:r>
+            <a:r>
+              <a:rPr lang="ko-KR" altLang="en-US" sz="2400">
+                <a:effectLst>
+                  <a:outerShdw blurRad="38100" dist="38100" dir="2700000" algn="tl">
+                    <a:srgbClr val="000000">
+                      <a:alpha val="43137"/>
+                    </a:srgbClr>
+                  </a:outerShdw>
+                </a:effectLst>
+              </a:rPr>
+              <a:t>가 대입됨</a:t>
+            </a:r>
+            <a:endParaRPr lang="en-US" altLang="ko-KR" sz="2400">
+              <a:effectLst>
+                <a:outerShdw blurRad="38100" dist="38100" dir="2700000" algn="tl">
+                  <a:srgbClr val="000000">
+                    <a:alpha val="43137"/>
+                  </a:srgbClr>
+                </a:outerShdw>
+              </a:effectLst>
+            </a:endParaRPr>
+          </a:p>
+        </p:txBody>
+      </p:sp>
+    </p:spTree>
+    <p:extLst>
+      <p:ext uri="{BB962C8B-B14F-4D97-AF65-F5344CB8AC3E}">
+        <p14:creationId xmlns:p14="http://schemas.microsoft.com/office/powerpoint/2010/main" val="2408913192"/>
+      </p:ext>
+    </p:extLst>
+  </p:cSld>
+  <p:clrMapOvr>
+    <a:masterClrMapping/>
+  </p:clrMapOvr>
+</p:sld>
+</file>
+
+<file path=ppt/slides/slide3.xml><?xml version="1.0" encoding="utf-8"?>
+<p:sld xmlns:a="http://schemas.openxmlformats.org/drawingml/2006/main" xmlns:r="http://schemas.openxmlformats.org/officeDocument/2006/relationships" xmlns:p="http://schemas.openxmlformats.org/presentationml/2006/main">
+  <p:cSld>
+    <p:spTree>
+      <p:nvGrpSpPr>
+        <p:cNvPr id="1" name=""/>
+        <p:cNvGrpSpPr/>
+        <p:nvPr/>
+      </p:nvGrpSpPr>
+      <p:grpSpPr>
+        <a:xfrm>
+          <a:off x="0" y="0"/>
+          <a:ext cx="0" cy="0"/>
+          <a:chOff x="0" y="0"/>
+          <a:chExt cx="0" cy="0"/>
+        </a:xfrm>
+      </p:grpSpPr>
+      <p:pic>
+        <p:nvPicPr>
+          <p:cNvPr id="10" name="그림 9" descr="화살이(가) 표시된 사진&#10;&#10;자동 생성된 설명">
+            <a:extLst>
+              <a:ext uri="{FF2B5EF4-FFF2-40B4-BE49-F238E27FC236}">
+                <a16:creationId xmlns:a16="http://schemas.microsoft.com/office/drawing/2014/main" id="{5692FF39-5BFA-4330-A7F4-BF79F01322B2}"/>
+              </a:ext>
+            </a:extLst>
+          </p:cNvPr>
+          <p:cNvPicPr>
+            <a:picLocks noChangeAspect="1"/>
+          </p:cNvPicPr>
+          <p:nvPr/>
+        </p:nvPicPr>
+        <p:blipFill>
+          <a:blip r:embed="rId2">
+            <a:alphaModFix amt="5000"/>
+            <a:extLst>
+              <a:ext uri="{28A0092B-C50C-407E-A947-70E740481C1C}">
+                <a14:useLocalDpi xmlns:a14="http://schemas.microsoft.com/office/drawing/2010/main" val="0"/>
+              </a:ext>
+            </a:extLst>
+          </a:blip>
+          <a:stretch>
+            <a:fillRect/>
+          </a:stretch>
+        </p:blipFill>
+        <p:spPr>
+          <a:xfrm>
+            <a:off x="1209040" y="-1"/>
+            <a:ext cx="9875520" cy="6857429"/>
+          </a:xfrm>
+          <a:prstGeom prst="rect">
+            <a:avLst/>
+          </a:prstGeom>
+        </p:spPr>
+      </p:pic>
+      <p:sp>
+        <p:nvSpPr>
+          <p:cNvPr id="2" name="제목 1">
+            <a:extLst>
+              <a:ext uri="{FF2B5EF4-FFF2-40B4-BE49-F238E27FC236}">
+                <a16:creationId xmlns:a16="http://schemas.microsoft.com/office/drawing/2014/main" id="{B5F771FA-F15B-46C3-BA0D-4B28CB171312}"/>
+              </a:ext>
+            </a:extLst>
+          </p:cNvPr>
+          <p:cNvSpPr>
+            <a:spLocks noGrp="1"/>
+          </p:cNvSpPr>
+          <p:nvPr>
+            <p:ph type="ctrTitle"/>
+          </p:nvPr>
+        </p:nvSpPr>
+        <p:spPr>
+          <a:xfrm>
+            <a:off x="301812" y="210670"/>
+            <a:ext cx="11689976" cy="851648"/>
+          </a:xfrm>
+        </p:spPr>
+        <p:txBody>
+          <a:bodyPr>
+            <a:normAutofit fontScale="90000"/>
+          </a:bodyPr>
+          <a:lstStyle/>
+          <a:p>
+            <a:pPr algn="l"/>
+            <a:r>
+              <a:rPr lang="ko-KR" altLang="en-US" b="1">
+                <a:effectLst>
+                  <a:outerShdw blurRad="38100" dist="38100" dir="2700000" algn="tl">
+                    <a:srgbClr val="000000">
+                      <a:alpha val="43137"/>
+                    </a:srgbClr>
+                  </a:outerShdw>
+                </a:effectLst>
+              </a:rPr>
+              <a:t>오리엔테이션</a:t>
+            </a:r>
+          </a:p>
+        </p:txBody>
+      </p:sp>
+      <p:sp>
+        <p:nvSpPr>
+          <p:cNvPr id="4" name="이등변 삼각형 3">
+            <a:extLst>
+              <a:ext uri="{FF2B5EF4-FFF2-40B4-BE49-F238E27FC236}">
+                <a16:creationId xmlns:a16="http://schemas.microsoft.com/office/drawing/2014/main" id="{D82EB4D7-301B-4780-87C6-7D1E66BD5181}"/>
+              </a:ext>
+            </a:extLst>
+          </p:cNvPr>
+          <p:cNvSpPr/>
+          <p:nvPr/>
+        </p:nvSpPr>
+        <p:spPr>
+          <a:xfrm rot="10800000">
+            <a:off x="11204089" y="-1"/>
+            <a:ext cx="987911" cy="851647"/>
+          </a:xfrm>
+          <a:prstGeom prst="triangle">
+            <a:avLst>
+              <a:gd name="adj" fmla="val 0"/>
+            </a:avLst>
+          </a:prstGeom>
+          <a:solidFill>
+            <a:schemeClr val="tx1"/>
+          </a:solidFill>
+          <a:ln>
+            <a:solidFill>
+              <a:schemeClr val="tx1"/>
+            </a:solidFill>
+          </a:ln>
+        </p:spPr>
+        <p:style>
+          <a:lnRef idx="2">
+            <a:schemeClr val="accent1">
+              <a:shade val="50000"/>
+            </a:schemeClr>
+          </a:lnRef>
+          <a:fillRef idx="1">
+            <a:schemeClr val="accent1"/>
+          </a:fillRef>
+          <a:effectRef idx="0">
+            <a:schemeClr val="accent1"/>
+          </a:effectRef>
+          <a:fontRef idx="minor">
+            <a:schemeClr val="lt1"/>
+          </a:fontRef>
+        </p:style>
+        <p:txBody>
+          <a:bodyPr rtlCol="0" anchor="ctr"/>
+          <a:lstStyle/>
+          <a:p>
+            <a:pPr algn="ctr"/>
+            <a:endParaRPr lang="ko-KR" altLang="en-US"/>
+          </a:p>
+        </p:txBody>
+      </p:sp>
+      <p:cxnSp>
+        <p:nvCxnSpPr>
+          <p:cNvPr id="7" name="직선 연결선 6">
+            <a:extLst>
+              <a:ext uri="{FF2B5EF4-FFF2-40B4-BE49-F238E27FC236}">
+                <a16:creationId xmlns:a16="http://schemas.microsoft.com/office/drawing/2014/main" id="{2585E046-0EB0-4A38-9487-0FDCAD563659}"/>
+              </a:ext>
+            </a:extLst>
+          </p:cNvPr>
+          <p:cNvCxnSpPr/>
+          <p:nvPr/>
+        </p:nvCxnSpPr>
+        <p:spPr>
+          <a:xfrm>
+            <a:off x="30480" y="1143598"/>
+            <a:ext cx="2357120" cy="0"/>
+          </a:xfrm>
+          <a:prstGeom prst="line">
+            <a:avLst/>
+          </a:prstGeom>
+          <a:ln w="63500">
+            <a:solidFill>
+              <a:schemeClr val="tx1"/>
+            </a:solidFill>
+          </a:ln>
+        </p:spPr>
+        <p:style>
+          <a:lnRef idx="1">
+            <a:schemeClr val="accent1"/>
+          </a:lnRef>
+          <a:fillRef idx="0">
+            <a:schemeClr val="accent1"/>
+          </a:fillRef>
+          <a:effectRef idx="0">
+            <a:schemeClr val="accent1"/>
+          </a:effectRef>
+          <a:fontRef idx="minor">
+            <a:schemeClr val="tx1"/>
+          </a:fontRef>
+        </p:style>
+      </p:cxnSp>
       <p:pic>
         <p:nvPicPr>
           <p:cNvPr id="5" name="그림 4">
@@ -18009,6 +18873,369 @@
     <p:extLst>
       <p:ext uri="{BB962C8B-B14F-4D97-AF65-F5344CB8AC3E}">
         <p14:creationId xmlns:p14="http://schemas.microsoft.com/office/powerpoint/2010/main" val="2260691603"/>
+      </p:ext>
+    </p:extLst>
+  </p:cSld>
+  <p:clrMapOvr>
+    <a:masterClrMapping/>
+  </p:clrMapOvr>
+</p:sld>
+</file>
+
+<file path=ppt/slides/slide30.xml><?xml version="1.0" encoding="utf-8"?>
+<p:sld xmlns:a="http://schemas.openxmlformats.org/drawingml/2006/main" xmlns:r="http://schemas.openxmlformats.org/officeDocument/2006/relationships" xmlns:p="http://schemas.openxmlformats.org/presentationml/2006/main">
+  <p:cSld>
+    <p:spTree>
+      <p:nvGrpSpPr>
+        <p:cNvPr id="1" name=""/>
+        <p:cNvGrpSpPr/>
+        <p:nvPr/>
+      </p:nvGrpSpPr>
+      <p:grpSpPr>
+        <a:xfrm>
+          <a:off x="0" y="0"/>
+          <a:ext cx="0" cy="0"/>
+          <a:chOff x="0" y="0"/>
+          <a:chExt cx="0" cy="0"/>
+        </a:xfrm>
+      </p:grpSpPr>
+      <p:pic>
+        <p:nvPicPr>
+          <p:cNvPr id="6" name="그림 5" descr="화살이(가) 표시된 사진&#10;&#10;자동 생성된 설명">
+            <a:extLst>
+              <a:ext uri="{FF2B5EF4-FFF2-40B4-BE49-F238E27FC236}">
+                <a16:creationId xmlns:a16="http://schemas.microsoft.com/office/drawing/2014/main" id="{6FDCA1A6-8178-42B9-A6B3-2C3E2272BCF1}"/>
+              </a:ext>
+            </a:extLst>
+          </p:cNvPr>
+          <p:cNvPicPr>
+            <a:picLocks noChangeAspect="1"/>
+          </p:cNvPicPr>
+          <p:nvPr/>
+        </p:nvPicPr>
+        <p:blipFill>
+          <a:blip r:embed="rId2">
+            <a:alphaModFix amt="5000"/>
+            <a:extLst>
+              <a:ext uri="{28A0092B-C50C-407E-A947-70E740481C1C}">
+                <a14:useLocalDpi xmlns:a14="http://schemas.microsoft.com/office/drawing/2010/main" val="0"/>
+              </a:ext>
+            </a:extLst>
+          </a:blip>
+          <a:stretch>
+            <a:fillRect/>
+          </a:stretch>
+        </p:blipFill>
+        <p:spPr>
+          <a:xfrm>
+            <a:off x="1209040" y="-1"/>
+            <a:ext cx="9875520" cy="6857429"/>
+          </a:xfrm>
+          <a:prstGeom prst="rect">
+            <a:avLst/>
+          </a:prstGeom>
+        </p:spPr>
+      </p:pic>
+      <p:sp>
+        <p:nvSpPr>
+          <p:cNvPr id="2" name="제목 1">
+            <a:extLst>
+              <a:ext uri="{FF2B5EF4-FFF2-40B4-BE49-F238E27FC236}">
+                <a16:creationId xmlns:a16="http://schemas.microsoft.com/office/drawing/2014/main" id="{B5F771FA-F15B-46C3-BA0D-4B28CB171312}"/>
+              </a:ext>
+            </a:extLst>
+          </p:cNvPr>
+          <p:cNvSpPr>
+            <a:spLocks noGrp="1"/>
+          </p:cNvSpPr>
+          <p:nvPr>
+            <p:ph type="ctrTitle"/>
+          </p:nvPr>
+        </p:nvSpPr>
+        <p:spPr>
+          <a:xfrm>
+            <a:off x="301812" y="210670"/>
+            <a:ext cx="11689976" cy="851648"/>
+          </a:xfrm>
+        </p:spPr>
+        <p:txBody>
+          <a:bodyPr>
+            <a:normAutofit fontScale="90000"/>
+          </a:bodyPr>
+          <a:lstStyle/>
+          <a:p>
+            <a:pPr algn="l"/>
+            <a:r>
+              <a:rPr lang="ko-KR" altLang="en-US" b="1">
+                <a:effectLst>
+                  <a:outerShdw blurRad="38100" dist="38100" dir="2700000" algn="tl">
+                    <a:srgbClr val="000000">
+                      <a:alpha val="43137"/>
+                    </a:srgbClr>
+                  </a:outerShdw>
+                </a:effectLst>
+              </a:rPr>
+              <a:t>과제</a:t>
+            </a:r>
+          </a:p>
+        </p:txBody>
+      </p:sp>
+      <p:sp>
+        <p:nvSpPr>
+          <p:cNvPr id="4" name="이등변 삼각형 3">
+            <a:extLst>
+              <a:ext uri="{FF2B5EF4-FFF2-40B4-BE49-F238E27FC236}">
+                <a16:creationId xmlns:a16="http://schemas.microsoft.com/office/drawing/2014/main" id="{D82EB4D7-301B-4780-87C6-7D1E66BD5181}"/>
+              </a:ext>
+            </a:extLst>
+          </p:cNvPr>
+          <p:cNvSpPr/>
+          <p:nvPr/>
+        </p:nvSpPr>
+        <p:spPr>
+          <a:xfrm rot="10800000">
+            <a:off x="11204089" y="-1"/>
+            <a:ext cx="987911" cy="851647"/>
+          </a:xfrm>
+          <a:prstGeom prst="triangle">
+            <a:avLst>
+              <a:gd name="adj" fmla="val 0"/>
+            </a:avLst>
+          </a:prstGeom>
+          <a:solidFill>
+            <a:schemeClr val="tx1"/>
+          </a:solidFill>
+          <a:ln>
+            <a:solidFill>
+              <a:schemeClr val="tx1"/>
+            </a:solidFill>
+          </a:ln>
+        </p:spPr>
+        <p:style>
+          <a:lnRef idx="2">
+            <a:schemeClr val="accent1">
+              <a:shade val="50000"/>
+            </a:schemeClr>
+          </a:lnRef>
+          <a:fillRef idx="1">
+            <a:schemeClr val="accent1"/>
+          </a:fillRef>
+          <a:effectRef idx="0">
+            <a:schemeClr val="accent1"/>
+          </a:effectRef>
+          <a:fontRef idx="minor">
+            <a:schemeClr val="lt1"/>
+          </a:fontRef>
+        </p:style>
+        <p:txBody>
+          <a:bodyPr rtlCol="0" anchor="ctr"/>
+          <a:lstStyle/>
+          <a:p>
+            <a:pPr algn="ctr"/>
+            <a:endParaRPr lang="ko-KR" altLang="en-US"/>
+          </a:p>
+        </p:txBody>
+      </p:sp>
+      <p:cxnSp>
+        <p:nvCxnSpPr>
+          <p:cNvPr id="7" name="직선 연결선 6">
+            <a:extLst>
+              <a:ext uri="{FF2B5EF4-FFF2-40B4-BE49-F238E27FC236}">
+                <a16:creationId xmlns:a16="http://schemas.microsoft.com/office/drawing/2014/main" id="{2585E046-0EB0-4A38-9487-0FDCAD563659}"/>
+              </a:ext>
+            </a:extLst>
+          </p:cNvPr>
+          <p:cNvCxnSpPr/>
+          <p:nvPr/>
+        </p:nvCxnSpPr>
+        <p:spPr>
+          <a:xfrm>
+            <a:off x="30480" y="1143598"/>
+            <a:ext cx="2357120" cy="0"/>
+          </a:xfrm>
+          <a:prstGeom prst="line">
+            <a:avLst/>
+          </a:prstGeom>
+          <a:ln w="63500">
+            <a:solidFill>
+              <a:schemeClr val="tx1"/>
+            </a:solidFill>
+          </a:ln>
+        </p:spPr>
+        <p:style>
+          <a:lnRef idx="1">
+            <a:schemeClr val="accent1"/>
+          </a:lnRef>
+          <a:fillRef idx="0">
+            <a:schemeClr val="accent1"/>
+          </a:fillRef>
+          <a:effectRef idx="0">
+            <a:schemeClr val="accent1"/>
+          </a:effectRef>
+          <a:fontRef idx="minor">
+            <a:schemeClr val="tx1"/>
+          </a:fontRef>
+        </p:style>
+      </p:cxnSp>
+      <p:sp>
+        <p:nvSpPr>
+          <p:cNvPr id="8" name="TextBox 7">
+            <a:extLst>
+              <a:ext uri="{FF2B5EF4-FFF2-40B4-BE49-F238E27FC236}">
+                <a16:creationId xmlns:a16="http://schemas.microsoft.com/office/drawing/2014/main" id="{13B97781-C9A6-4A1D-AF9A-71573B0103F8}"/>
+              </a:ext>
+            </a:extLst>
+          </p:cNvPr>
+          <p:cNvSpPr txBox="1"/>
+          <p:nvPr/>
+        </p:nvSpPr>
+        <p:spPr>
+          <a:xfrm>
+            <a:off x="1209040" y="1600025"/>
+            <a:ext cx="8935557" cy="3539430"/>
+          </a:xfrm>
+          <a:prstGeom prst="rect">
+            <a:avLst/>
+          </a:prstGeom>
+          <a:noFill/>
+        </p:spPr>
+        <p:txBody>
+          <a:bodyPr wrap="square" rtlCol="0">
+            <a:spAutoFit/>
+          </a:bodyPr>
+          <a:lstStyle/>
+          <a:p>
+            <a:pPr marL="457200" indent="-457200">
+              <a:buFont typeface="Arial" panose="020B0604020202020204" pitchFamily="34" charset="0"/>
+              <a:buChar char="•"/>
+            </a:pPr>
+            <a:r>
+              <a:rPr lang="ko-KR" altLang="en-US" sz="3200">
+                <a:effectLst>
+                  <a:outerShdw blurRad="38100" dist="38100" dir="2700000" algn="tl">
+                    <a:srgbClr val="000000">
+                      <a:alpha val="43137"/>
+                    </a:srgbClr>
+                  </a:outerShdw>
+                </a:effectLst>
+              </a:rPr>
+              <a:t>백준 아이디 만들고 학술부장에게 알려주기</a:t>
+            </a:r>
+            <a:endParaRPr lang="en-US" altLang="ko-KR" sz="3200">
+              <a:effectLst>
+                <a:outerShdw blurRad="38100" dist="38100" dir="2700000" algn="tl">
+                  <a:srgbClr val="000000">
+                    <a:alpha val="43137"/>
+                  </a:srgbClr>
+                </a:outerShdw>
+              </a:effectLst>
+            </a:endParaRPr>
+          </a:p>
+          <a:p>
+            <a:pPr marL="457200" indent="-457200">
+              <a:buFont typeface="Arial" panose="020B0604020202020204" pitchFamily="34" charset="0"/>
+              <a:buChar char="•"/>
+            </a:pPr>
+            <a:endParaRPr lang="en-US" altLang="ko-KR" sz="3200">
+              <a:effectLst>
+                <a:outerShdw blurRad="38100" dist="38100" dir="2700000" algn="tl">
+                  <a:srgbClr val="000000">
+                    <a:alpha val="43137"/>
+                  </a:srgbClr>
+                </a:outerShdw>
+              </a:effectLst>
+            </a:endParaRPr>
+          </a:p>
+          <a:p>
+            <a:pPr marL="457200" indent="-457200">
+              <a:buFont typeface="Arial" panose="020B0604020202020204" pitchFamily="34" charset="0"/>
+              <a:buChar char="•"/>
+            </a:pPr>
+            <a:r>
+              <a:rPr lang="en-US" altLang="ko-KR" sz="3200">
+                <a:effectLst>
+                  <a:outerShdw blurRad="38100" dist="38100" dir="2700000" algn="tl">
+                    <a:srgbClr val="000000">
+                      <a:alpha val="43137"/>
+                    </a:srgbClr>
+                  </a:outerShdw>
+                </a:effectLst>
+              </a:rPr>
+              <a:t>boj.kr/1330</a:t>
+            </a:r>
+          </a:p>
+          <a:p>
+            <a:pPr marL="457200" indent="-457200">
+              <a:buFont typeface="Arial" panose="020B0604020202020204" pitchFamily="34" charset="0"/>
+              <a:buChar char="•"/>
+            </a:pPr>
+            <a:endParaRPr lang="en-US" altLang="ko-KR" sz="3200">
+              <a:effectLst>
+                <a:outerShdw blurRad="38100" dist="38100" dir="2700000" algn="tl">
+                  <a:srgbClr val="000000">
+                    <a:alpha val="43137"/>
+                  </a:srgbClr>
+                </a:outerShdw>
+              </a:effectLst>
+            </a:endParaRPr>
+          </a:p>
+          <a:p>
+            <a:pPr marL="457200" indent="-457200">
+              <a:buFont typeface="Arial" panose="020B0604020202020204" pitchFamily="34" charset="0"/>
+              <a:buChar char="•"/>
+            </a:pPr>
+            <a:r>
+              <a:rPr lang="en-US" altLang="ko-KR" sz="3200">
+                <a:effectLst>
+                  <a:outerShdw blurRad="38100" dist="38100" dir="2700000" algn="tl">
+                    <a:srgbClr val="000000">
+                      <a:alpha val="43137"/>
+                    </a:srgbClr>
+                  </a:outerShdw>
+                </a:effectLst>
+              </a:rPr>
+              <a:t>boj.kr/2753</a:t>
+            </a:r>
+          </a:p>
+          <a:p>
+            <a:pPr marL="457200" indent="-457200">
+              <a:buFont typeface="Arial" panose="020B0604020202020204" pitchFamily="34" charset="0"/>
+              <a:buChar char="•"/>
+            </a:pPr>
+            <a:endParaRPr lang="en-US" altLang="ko-KR" sz="3200">
+              <a:effectLst>
+                <a:outerShdw blurRad="38100" dist="38100" dir="2700000" algn="tl">
+                  <a:srgbClr val="000000">
+                    <a:alpha val="43137"/>
+                  </a:srgbClr>
+                </a:outerShdw>
+              </a:effectLst>
+            </a:endParaRPr>
+          </a:p>
+          <a:p>
+            <a:pPr marL="457200" indent="-457200">
+              <a:buFont typeface="Arial" panose="020B0604020202020204" pitchFamily="34" charset="0"/>
+              <a:buChar char="•"/>
+            </a:pPr>
+            <a:r>
+              <a:rPr lang="en-US" altLang="ko-KR" sz="3200">
+                <a:effectLst>
+                  <a:outerShdw blurRad="38100" dist="38100" dir="2700000" algn="tl">
+                    <a:srgbClr val="000000">
+                      <a:alpha val="43137"/>
+                    </a:srgbClr>
+                  </a:outerShdw>
+                </a:effectLst>
+              </a:rPr>
+              <a:t>boj.kr/14681 </a:t>
+            </a:r>
+          </a:p>
+        </p:txBody>
+      </p:sp>
+    </p:spTree>
+    <p:extLst>
+      <p:ext uri="{BB962C8B-B14F-4D97-AF65-F5344CB8AC3E}">
+        <p14:creationId xmlns:p14="http://schemas.microsoft.com/office/powerpoint/2010/main" val="874720454"/>
       </p:ext>
     </p:extLst>
   </p:cSld>

--- a/EC)Basic 1주차.pptx
+++ b/EC)Basic 1주차.pptx
@@ -288,7 +288,7 @@
           <a:p>
             <a:fld id="{99D9758D-D09E-4F4D-9D6D-5374D685559F}" type="datetimeFigureOut">
               <a:rPr lang="ko-KR" altLang="en-US" smtClean="0"/>
-              <a:t>2021-03-08</a:t>
+              <a:t>2021-03-26</a:t>
             </a:fld>
             <a:endParaRPr lang="ko-KR" altLang="en-US"/>
           </a:p>
@@ -486,7 +486,7 @@
           <a:p>
             <a:fld id="{99D9758D-D09E-4F4D-9D6D-5374D685559F}" type="datetimeFigureOut">
               <a:rPr lang="ko-KR" altLang="en-US" smtClean="0"/>
-              <a:t>2021-03-08</a:t>
+              <a:t>2021-03-26</a:t>
             </a:fld>
             <a:endParaRPr lang="ko-KR" altLang="en-US"/>
           </a:p>
@@ -694,7 +694,7 @@
           <a:p>
             <a:fld id="{99D9758D-D09E-4F4D-9D6D-5374D685559F}" type="datetimeFigureOut">
               <a:rPr lang="ko-KR" altLang="en-US" smtClean="0"/>
-              <a:t>2021-03-08</a:t>
+              <a:t>2021-03-26</a:t>
             </a:fld>
             <a:endParaRPr lang="ko-KR" altLang="en-US"/>
           </a:p>
@@ -892,7 +892,7 @@
           <a:p>
             <a:fld id="{99D9758D-D09E-4F4D-9D6D-5374D685559F}" type="datetimeFigureOut">
               <a:rPr lang="ko-KR" altLang="en-US" smtClean="0"/>
-              <a:t>2021-03-08</a:t>
+              <a:t>2021-03-26</a:t>
             </a:fld>
             <a:endParaRPr lang="ko-KR" altLang="en-US"/>
           </a:p>
@@ -1167,7 +1167,7 @@
           <a:p>
             <a:fld id="{99D9758D-D09E-4F4D-9D6D-5374D685559F}" type="datetimeFigureOut">
               <a:rPr lang="ko-KR" altLang="en-US" smtClean="0"/>
-              <a:t>2021-03-08</a:t>
+              <a:t>2021-03-26</a:t>
             </a:fld>
             <a:endParaRPr lang="ko-KR" altLang="en-US"/>
           </a:p>
@@ -1432,7 +1432,7 @@
           <a:p>
             <a:fld id="{99D9758D-D09E-4F4D-9D6D-5374D685559F}" type="datetimeFigureOut">
               <a:rPr lang="ko-KR" altLang="en-US" smtClean="0"/>
-              <a:t>2021-03-08</a:t>
+              <a:t>2021-03-26</a:t>
             </a:fld>
             <a:endParaRPr lang="ko-KR" altLang="en-US"/>
           </a:p>
@@ -1844,7 +1844,7 @@
           <a:p>
             <a:fld id="{99D9758D-D09E-4F4D-9D6D-5374D685559F}" type="datetimeFigureOut">
               <a:rPr lang="ko-KR" altLang="en-US" smtClean="0"/>
-              <a:t>2021-03-08</a:t>
+              <a:t>2021-03-26</a:t>
             </a:fld>
             <a:endParaRPr lang="ko-KR" altLang="en-US"/>
           </a:p>
@@ -1985,7 +1985,7 @@
           <a:p>
             <a:fld id="{99D9758D-D09E-4F4D-9D6D-5374D685559F}" type="datetimeFigureOut">
               <a:rPr lang="ko-KR" altLang="en-US" smtClean="0"/>
-              <a:t>2021-03-08</a:t>
+              <a:t>2021-03-26</a:t>
             </a:fld>
             <a:endParaRPr lang="ko-KR" altLang="en-US"/>
           </a:p>
@@ -2098,7 +2098,7 @@
           <a:p>
             <a:fld id="{99D9758D-D09E-4F4D-9D6D-5374D685559F}" type="datetimeFigureOut">
               <a:rPr lang="ko-KR" altLang="en-US" smtClean="0"/>
-              <a:t>2021-03-08</a:t>
+              <a:t>2021-03-26</a:t>
             </a:fld>
             <a:endParaRPr lang="ko-KR" altLang="en-US"/>
           </a:p>
@@ -2409,7 +2409,7 @@
           <a:p>
             <a:fld id="{99D9758D-D09E-4F4D-9D6D-5374D685559F}" type="datetimeFigureOut">
               <a:rPr lang="ko-KR" altLang="en-US" smtClean="0"/>
-              <a:t>2021-03-08</a:t>
+              <a:t>2021-03-26</a:t>
             </a:fld>
             <a:endParaRPr lang="ko-KR" altLang="en-US"/>
           </a:p>
@@ -2697,7 +2697,7 @@
           <a:p>
             <a:fld id="{99D9758D-D09E-4F4D-9D6D-5374D685559F}" type="datetimeFigureOut">
               <a:rPr lang="ko-KR" altLang="en-US" smtClean="0"/>
-              <a:t>2021-03-08</a:t>
+              <a:t>2021-03-26</a:t>
             </a:fld>
             <a:endParaRPr lang="ko-KR" altLang="en-US"/>
           </a:p>
@@ -2941,7 +2941,7 @@
           <a:p>
             <a:fld id="{99D9758D-D09E-4F4D-9D6D-5374D685559F}" type="datetimeFigureOut">
               <a:rPr lang="ko-KR" altLang="en-US" smtClean="0"/>
-              <a:t>2021-03-08</a:t>
+              <a:t>2021-03-26</a:t>
             </a:fld>
             <a:endParaRPr lang="ko-KR" altLang="en-US"/>
           </a:p>
